--- a/testbedGSArch.pptx
+++ b/testbedGSArch.pptx
@@ -4,6 +4,9 @@
   <p:sldMasterIdLst>
     <p:sldMasterId id="2147483684" r:id="rId1"/>
   </p:sldMasterIdLst>
+  <p:notesMasterIdLst>
+    <p:notesMasterId r:id="rId15"/>
+  </p:notesMasterIdLst>
   <p:sldIdLst>
     <p:sldId id="256" r:id="rId2"/>
     <p:sldId id="278" r:id="rId3"/>
@@ -20,7 +23,7 @@
     <p:sldId id="273" r:id="rId14"/>
   </p:sldIdLst>
   <p:sldSz cx="12192000" cy="6858000"/>
-  <p:notesSz cx="6858000" cy="9144000"/>
+  <p:notesSz cx="9144000" cy="6858000"/>
   <p:defaultTextStyle>
     <a:defPPr>
       <a:defRPr lang="en-US"/>
@@ -124,8 +127,360 @@
 </p:presentation>
 </file>
 
+<file path=ppt/notesMasters/notesMaster1.xml><?xml version="1.0" encoding="utf-8"?>
+<p:notesMaster xmlns:a="http://schemas.openxmlformats.org/drawingml/2006/main" xmlns:r="http://schemas.openxmlformats.org/officeDocument/2006/relationships" xmlns:p="http://schemas.openxmlformats.org/presentationml/2006/main">
+  <p:cSld>
+    <p:bg>
+      <p:bgRef idx="1001">
+        <a:schemeClr val="bg1"/>
+      </p:bgRef>
+    </p:bg>
+    <p:spTree>
+      <p:nvGrpSpPr>
+        <p:cNvPr id="1" name=""/>
+        <p:cNvGrpSpPr/>
+        <p:nvPr/>
+      </p:nvGrpSpPr>
+      <p:grpSpPr>
+        <a:xfrm>
+          <a:off x="0" y="0"/>
+          <a:ext cx="0" cy="0"/>
+          <a:chOff x="0" y="0"/>
+          <a:chExt cx="0" cy="0"/>
+        </a:xfrm>
+      </p:grpSpPr>
+      <p:sp>
+        <p:nvSpPr>
+          <p:cNvPr id="2" name="Header Placeholder 1"/>
+          <p:cNvSpPr>
+            <a:spLocks noGrp="1"/>
+          </p:cNvSpPr>
+          <p:nvPr>
+            <p:ph type="hdr" sz="quarter"/>
+          </p:nvPr>
+        </p:nvSpPr>
+        <p:spPr>
+          <a:xfrm>
+            <a:off x="0" y="0"/>
+            <a:ext cx="3962400" cy="344091"/>
+          </a:xfrm>
+          <a:prstGeom prst="rect">
+            <a:avLst/>
+          </a:prstGeom>
+        </p:spPr>
+        <p:txBody>
+          <a:bodyPr vert="horz" lIns="91440" tIns="45720" rIns="91440" bIns="45720" rtlCol="0"/>
+          <a:lstStyle>
+            <a:lvl1pPr algn="l">
+              <a:defRPr sz="1200"/>
+            </a:lvl1pPr>
+          </a:lstStyle>
+          <a:p>
+            <a:endParaRPr lang="en-US"/>
+          </a:p>
+        </p:txBody>
+      </p:sp>
+      <p:sp>
+        <p:nvSpPr>
+          <p:cNvPr id="3" name="Date Placeholder 2"/>
+          <p:cNvSpPr>
+            <a:spLocks noGrp="1"/>
+          </p:cNvSpPr>
+          <p:nvPr>
+            <p:ph type="dt" idx="1"/>
+          </p:nvPr>
+        </p:nvSpPr>
+        <p:spPr>
+          <a:xfrm>
+            <a:off x="5179484" y="0"/>
+            <a:ext cx="3962400" cy="344091"/>
+          </a:xfrm>
+          <a:prstGeom prst="rect">
+            <a:avLst/>
+          </a:prstGeom>
+        </p:spPr>
+        <p:txBody>
+          <a:bodyPr vert="horz" lIns="91440" tIns="45720" rIns="91440" bIns="45720" rtlCol="0"/>
+          <a:lstStyle>
+            <a:lvl1pPr algn="r">
+              <a:defRPr sz="1200"/>
+            </a:lvl1pPr>
+          </a:lstStyle>
+          <a:p>
+            <a:fld id="{396640A8-ADD8-7C49-AD87-CB8F6701C648}" type="datetimeFigureOut">
+              <a:rPr lang="en-US" smtClean="0"/>
+              <a:t>4/12/18</a:t>
+            </a:fld>
+            <a:endParaRPr lang="en-US"/>
+          </a:p>
+        </p:txBody>
+      </p:sp>
+      <p:sp>
+        <p:nvSpPr>
+          <p:cNvPr id="4" name="Slide Image Placeholder 3"/>
+          <p:cNvSpPr>
+            <a:spLocks noGrp="1" noRot="1" noChangeAspect="1"/>
+          </p:cNvSpPr>
+          <p:nvPr>
+            <p:ph type="sldImg" idx="2"/>
+          </p:nvPr>
+        </p:nvSpPr>
+        <p:spPr>
+          <a:xfrm>
+            <a:off x="2514600" y="857250"/>
+            <a:ext cx="4114800" cy="2314575"/>
+          </a:xfrm>
+          <a:prstGeom prst="rect">
+            <a:avLst/>
+          </a:prstGeom>
+          <a:noFill/>
+          <a:ln w="12700">
+            <a:solidFill>
+              <a:prstClr val="black"/>
+            </a:solidFill>
+          </a:ln>
+        </p:spPr>
+        <p:txBody>
+          <a:bodyPr vert="horz" lIns="91440" tIns="45720" rIns="91440" bIns="45720" rtlCol="0" anchor="ctr"/>
+          <a:lstStyle/>
+          <a:p>
+            <a:endParaRPr lang="en-US"/>
+          </a:p>
+        </p:txBody>
+      </p:sp>
+      <p:sp>
+        <p:nvSpPr>
+          <p:cNvPr id="5" name="Notes Placeholder 4"/>
+          <p:cNvSpPr>
+            <a:spLocks noGrp="1"/>
+          </p:cNvSpPr>
+          <p:nvPr>
+            <p:ph type="body" sz="quarter" idx="3"/>
+          </p:nvPr>
+        </p:nvSpPr>
+        <p:spPr>
+          <a:xfrm>
+            <a:off x="914400" y="3300412"/>
+            <a:ext cx="7315200" cy="2700338"/>
+          </a:xfrm>
+          <a:prstGeom prst="rect">
+            <a:avLst/>
+          </a:prstGeom>
+        </p:spPr>
+        <p:txBody>
+          <a:bodyPr vert="horz" lIns="91440" tIns="45720" rIns="91440" bIns="45720" rtlCol="0"/>
+          <a:lstStyle/>
+          <a:p>
+            <a:pPr lvl="0"/>
+            <a:r>
+              <a:rPr lang="en-US"/>
+              <a:t>Edit Master text styles</a:t>
+            </a:r>
+          </a:p>
+          <a:p>
+            <a:pPr lvl="1"/>
+            <a:r>
+              <a:rPr lang="en-US"/>
+              <a:t>Second level</a:t>
+            </a:r>
+          </a:p>
+          <a:p>
+            <a:pPr lvl="2"/>
+            <a:r>
+              <a:rPr lang="en-US"/>
+              <a:t>Third level</a:t>
+            </a:r>
+          </a:p>
+          <a:p>
+            <a:pPr lvl="3"/>
+            <a:r>
+              <a:rPr lang="en-US"/>
+              <a:t>Fourth level</a:t>
+            </a:r>
+          </a:p>
+          <a:p>
+            <a:pPr lvl="4"/>
+            <a:r>
+              <a:rPr lang="en-US"/>
+              <a:t>Fifth level</a:t>
+            </a:r>
+          </a:p>
+        </p:txBody>
+      </p:sp>
+      <p:sp>
+        <p:nvSpPr>
+          <p:cNvPr id="6" name="Footer Placeholder 5"/>
+          <p:cNvSpPr>
+            <a:spLocks noGrp="1"/>
+          </p:cNvSpPr>
+          <p:nvPr>
+            <p:ph type="ftr" sz="quarter" idx="4"/>
+          </p:nvPr>
+        </p:nvSpPr>
+        <p:spPr>
+          <a:xfrm>
+            <a:off x="0" y="6513910"/>
+            <a:ext cx="3962400" cy="344090"/>
+          </a:xfrm>
+          <a:prstGeom prst="rect">
+            <a:avLst/>
+          </a:prstGeom>
+        </p:spPr>
+        <p:txBody>
+          <a:bodyPr vert="horz" lIns="91440" tIns="45720" rIns="91440" bIns="45720" rtlCol="0" anchor="b"/>
+          <a:lstStyle>
+            <a:lvl1pPr algn="l">
+              <a:defRPr sz="1200"/>
+            </a:lvl1pPr>
+          </a:lstStyle>
+          <a:p>
+            <a:r>
+              <a:rPr lang="en-US" dirty="0"/>
+              <a:t>Goran Scuric</a:t>
+            </a:r>
+          </a:p>
+        </p:txBody>
+      </p:sp>
+      <p:sp>
+        <p:nvSpPr>
+          <p:cNvPr id="7" name="Slide Number Placeholder 6"/>
+          <p:cNvSpPr>
+            <a:spLocks noGrp="1"/>
+          </p:cNvSpPr>
+          <p:nvPr>
+            <p:ph type="sldNum" sz="quarter" idx="5"/>
+          </p:nvPr>
+        </p:nvSpPr>
+        <p:spPr>
+          <a:xfrm>
+            <a:off x="5179484" y="6513910"/>
+            <a:ext cx="3962400" cy="344090"/>
+          </a:xfrm>
+          <a:prstGeom prst="rect">
+            <a:avLst/>
+          </a:prstGeom>
+        </p:spPr>
+        <p:txBody>
+          <a:bodyPr vert="horz" lIns="91440" tIns="45720" rIns="91440" bIns="45720" rtlCol="0" anchor="b"/>
+          <a:lstStyle>
+            <a:lvl1pPr algn="r">
+              <a:defRPr sz="1200"/>
+            </a:lvl1pPr>
+          </a:lstStyle>
+          <a:p>
+            <a:fld id="{4BCD9BA5-BB7F-2D4B-BA92-F70A6AA92EBE}" type="slidenum">
+              <a:rPr lang="en-US" smtClean="0"/>
+              <a:t>‹#›</a:t>
+            </a:fld>
+            <a:endParaRPr lang="en-US"/>
+          </a:p>
+        </p:txBody>
+      </p:sp>
+    </p:spTree>
+    <p:extLst>
+      <p:ext uri="{BB962C8B-B14F-4D97-AF65-F5344CB8AC3E}">
+        <p14:creationId xmlns:p14="http://schemas.microsoft.com/office/powerpoint/2010/main" val="3726240984"/>
+      </p:ext>
+    </p:extLst>
+  </p:cSld>
+  <p:clrMap bg1="lt1" tx1="dk1" bg2="lt2" tx2="dk2" accent1="accent1" accent2="accent2" accent3="accent3" accent4="accent4" accent5="accent5" accent6="accent6" hlink="hlink" folHlink="folHlink"/>
+  <p:notesStyle>
+    <a:lvl1pPr marL="0" algn="l" defTabSz="914400" rtl="0" eaLnBrk="1" latinLnBrk="0" hangingPunct="1">
+      <a:defRPr sz="1200" kern="1200">
+        <a:solidFill>
+          <a:schemeClr val="tx1"/>
+        </a:solidFill>
+        <a:latin typeface="+mn-lt"/>
+        <a:ea typeface="+mn-ea"/>
+        <a:cs typeface="+mn-cs"/>
+      </a:defRPr>
+    </a:lvl1pPr>
+    <a:lvl2pPr marL="457200" algn="l" defTabSz="914400" rtl="0" eaLnBrk="1" latinLnBrk="0" hangingPunct="1">
+      <a:defRPr sz="1200" kern="1200">
+        <a:solidFill>
+          <a:schemeClr val="tx1"/>
+        </a:solidFill>
+        <a:latin typeface="+mn-lt"/>
+        <a:ea typeface="+mn-ea"/>
+        <a:cs typeface="+mn-cs"/>
+      </a:defRPr>
+    </a:lvl2pPr>
+    <a:lvl3pPr marL="914400" algn="l" defTabSz="914400" rtl="0" eaLnBrk="1" latinLnBrk="0" hangingPunct="1">
+      <a:defRPr sz="1200" kern="1200">
+        <a:solidFill>
+          <a:schemeClr val="tx1"/>
+        </a:solidFill>
+        <a:latin typeface="+mn-lt"/>
+        <a:ea typeface="+mn-ea"/>
+        <a:cs typeface="+mn-cs"/>
+      </a:defRPr>
+    </a:lvl3pPr>
+    <a:lvl4pPr marL="1371600" algn="l" defTabSz="914400" rtl="0" eaLnBrk="1" latinLnBrk="0" hangingPunct="1">
+      <a:defRPr sz="1200" kern="1200">
+        <a:solidFill>
+          <a:schemeClr val="tx1"/>
+        </a:solidFill>
+        <a:latin typeface="+mn-lt"/>
+        <a:ea typeface="+mn-ea"/>
+        <a:cs typeface="+mn-cs"/>
+      </a:defRPr>
+    </a:lvl4pPr>
+    <a:lvl5pPr marL="1828800" algn="l" defTabSz="914400" rtl="0" eaLnBrk="1" latinLnBrk="0" hangingPunct="1">
+      <a:defRPr sz="1200" kern="1200">
+        <a:solidFill>
+          <a:schemeClr val="tx1"/>
+        </a:solidFill>
+        <a:latin typeface="+mn-lt"/>
+        <a:ea typeface="+mn-ea"/>
+        <a:cs typeface="+mn-cs"/>
+      </a:defRPr>
+    </a:lvl5pPr>
+    <a:lvl6pPr marL="2286000" algn="l" defTabSz="914400" rtl="0" eaLnBrk="1" latinLnBrk="0" hangingPunct="1">
+      <a:defRPr sz="1200" kern="1200">
+        <a:solidFill>
+          <a:schemeClr val="tx1"/>
+        </a:solidFill>
+        <a:latin typeface="+mn-lt"/>
+        <a:ea typeface="+mn-ea"/>
+        <a:cs typeface="+mn-cs"/>
+      </a:defRPr>
+    </a:lvl6pPr>
+    <a:lvl7pPr marL="2743200" algn="l" defTabSz="914400" rtl="0" eaLnBrk="1" latinLnBrk="0" hangingPunct="1">
+      <a:defRPr sz="1200" kern="1200">
+        <a:solidFill>
+          <a:schemeClr val="tx1"/>
+        </a:solidFill>
+        <a:latin typeface="+mn-lt"/>
+        <a:ea typeface="+mn-ea"/>
+        <a:cs typeface="+mn-cs"/>
+      </a:defRPr>
+    </a:lvl7pPr>
+    <a:lvl8pPr marL="3200400" algn="l" defTabSz="914400" rtl="0" eaLnBrk="1" latinLnBrk="0" hangingPunct="1">
+      <a:defRPr sz="1200" kern="1200">
+        <a:solidFill>
+          <a:schemeClr val="tx1"/>
+        </a:solidFill>
+        <a:latin typeface="+mn-lt"/>
+        <a:ea typeface="+mn-ea"/>
+        <a:cs typeface="+mn-cs"/>
+      </a:defRPr>
+    </a:lvl8pPr>
+    <a:lvl9pPr marL="3657600" algn="l" defTabSz="914400" rtl="0" eaLnBrk="1" latinLnBrk="0" hangingPunct="1">
+      <a:defRPr sz="1200" kern="1200">
+        <a:solidFill>
+          <a:schemeClr val="tx1"/>
+        </a:solidFill>
+        <a:latin typeface="+mn-lt"/>
+        <a:ea typeface="+mn-ea"/>
+        <a:cs typeface="+mn-cs"/>
+      </a:defRPr>
+    </a:lvl9pPr>
+  </p:notesStyle>
+</p:notesMaster>
+</file>
+
 <file path=ppt/slideLayouts/slideLayout1.xml><?xml version="1.0" encoding="utf-8"?>
-<p:sldLayout xmlns:a="http://schemas.openxmlformats.org/drawingml/2006/main" xmlns:r="http://schemas.openxmlformats.org/officeDocument/2006/relationships" xmlns:p="http://schemas.openxmlformats.org/presentationml/2006/main" type="title" preserve="1">
+<p:sldLayout xmlns:a="http://schemas.openxmlformats.org/drawingml/2006/main" xmlns:r="http://schemas.openxmlformats.org/officeDocument/2006/relationships" xmlns:p="http://schemas.openxmlformats.org/presentationml/2006/main" preserve="1" userDrawn="1">
   <p:cSld name="Title Slide">
     <p:spTree>
       <p:nvGrpSpPr>
@@ -143,101 +498,6 @@
       </p:grpSpPr>
       <p:sp>
         <p:nvSpPr>
-          <p:cNvPr id="9" name="Rectangle 8"/>
-          <p:cNvSpPr/>
-          <p:nvPr/>
-        </p:nvSpPr>
-        <p:spPr>
-          <a:xfrm>
-            <a:off x="0" y="4239807"/>
-            <a:ext cx="12192000" cy="92075"/>
-          </a:xfrm>
-          <a:prstGeom prst="rect">
-            <a:avLst/>
-          </a:prstGeom>
-          <a:solidFill>
-            <a:srgbClr val="85C7BF"/>
-          </a:solidFill>
-          <a:ln>
-            <a:noFill/>
-          </a:ln>
-        </p:spPr>
-        <p:style>
-          <a:lnRef idx="2">
-            <a:schemeClr val="accent1">
-              <a:shade val="50000"/>
-            </a:schemeClr>
-          </a:lnRef>
-          <a:fillRef idx="1">
-            <a:schemeClr val="accent1"/>
-          </a:fillRef>
-          <a:effectRef idx="0">
-            <a:schemeClr val="accent1"/>
-          </a:effectRef>
-          <a:fontRef idx="minor">
-            <a:schemeClr val="lt1"/>
-          </a:fontRef>
-        </p:style>
-        <p:txBody>
-          <a:bodyPr rtlCol="0" anchor="ctr"/>
-          <a:lstStyle/>
-          <a:p>
-            <a:pPr algn="ctr"/>
-            <a:r>
-              <a:rPr lang="en-US" sz="1351"/>
-              <a:t> </a:t>
-            </a:r>
-          </a:p>
-        </p:txBody>
-      </p:sp>
-      <p:sp>
-        <p:nvSpPr>
-          <p:cNvPr id="8" name="Rectangle 7"/>
-          <p:cNvSpPr/>
-          <p:nvPr/>
-        </p:nvSpPr>
-        <p:spPr>
-          <a:xfrm>
-            <a:off x="0" y="4328720"/>
-            <a:ext cx="12192000" cy="2529281"/>
-          </a:xfrm>
-          <a:prstGeom prst="rect">
-            <a:avLst/>
-          </a:prstGeom>
-          <a:solidFill>
-            <a:srgbClr val="5E737E"/>
-          </a:solidFill>
-          <a:ln>
-            <a:noFill/>
-          </a:ln>
-        </p:spPr>
-        <p:style>
-          <a:lnRef idx="2">
-            <a:schemeClr val="accent1">
-              <a:shade val="50000"/>
-            </a:schemeClr>
-          </a:lnRef>
-          <a:fillRef idx="1">
-            <a:schemeClr val="accent1"/>
-          </a:fillRef>
-          <a:effectRef idx="0">
-            <a:schemeClr val="accent1"/>
-          </a:effectRef>
-          <a:fontRef idx="minor">
-            <a:schemeClr val="lt1"/>
-          </a:fontRef>
-        </p:style>
-        <p:txBody>
-          <a:bodyPr rtlCol="0" anchor="ctr"/>
-          <a:lstStyle/>
-          <a:p>
-            <a:pPr algn="ctr"/>
-            <a:endParaRPr lang="en-US" sz="1351"/>
-          </a:p>
-        </p:txBody>
-      </p:sp>
-      <p:sp>
-        <p:nvSpPr>
           <p:cNvPr id="7" name="Rectangle 6"/>
           <p:cNvSpPr/>
           <p:nvPr/>
@@ -322,81 +582,6 @@
       </p:sp>
       <p:sp>
         <p:nvSpPr>
-          <p:cNvPr id="3" name="Subtitle 2"/>
-          <p:cNvSpPr>
-            <a:spLocks noGrp="1"/>
-          </p:cNvSpPr>
-          <p:nvPr>
-            <p:ph type="subTitle" idx="1"/>
-          </p:nvPr>
-        </p:nvSpPr>
-        <p:spPr>
-          <a:xfrm>
-            <a:off x="1524000" y="4449123"/>
-            <a:ext cx="9144000" cy="1563687"/>
-          </a:xfrm>
-          <a:noFill/>
-        </p:spPr>
-        <p:txBody>
-          <a:bodyPr/>
-          <a:lstStyle>
-            <a:lvl1pPr marL="0" indent="0" algn="ctr">
-              <a:buNone/>
-              <a:defRPr sz="2400" b="0" i="0">
-                <a:solidFill>
-                  <a:schemeClr val="bg1">
-                    <a:lumMod val="85000"/>
-                  </a:schemeClr>
-                </a:solidFill>
-                <a:latin typeface="Helvetica Neue Light" charset="0"/>
-                <a:ea typeface="Helvetica Neue Light" charset="0"/>
-                <a:cs typeface="Helvetica Neue Light" charset="0"/>
-              </a:defRPr>
-            </a:lvl1pPr>
-            <a:lvl2pPr marL="457223" indent="0" algn="ctr">
-              <a:buNone/>
-              <a:defRPr sz="2000"/>
-            </a:lvl2pPr>
-            <a:lvl3pPr marL="914446" indent="0" algn="ctr">
-              <a:buNone/>
-              <a:defRPr sz="1800"/>
-            </a:lvl3pPr>
-            <a:lvl4pPr marL="1371669" indent="0" algn="ctr">
-              <a:buNone/>
-              <a:defRPr sz="1600"/>
-            </a:lvl4pPr>
-            <a:lvl5pPr marL="1828891" indent="0" algn="ctr">
-              <a:buNone/>
-              <a:defRPr sz="1600"/>
-            </a:lvl5pPr>
-            <a:lvl6pPr marL="2286114" indent="0" algn="ctr">
-              <a:buNone/>
-              <a:defRPr sz="1600"/>
-            </a:lvl6pPr>
-            <a:lvl7pPr marL="2743337" indent="0" algn="ctr">
-              <a:buNone/>
-              <a:defRPr sz="1600"/>
-            </a:lvl7pPr>
-            <a:lvl8pPr marL="3200560" indent="0" algn="ctr">
-              <a:buNone/>
-              <a:defRPr sz="1600"/>
-            </a:lvl8pPr>
-            <a:lvl9pPr marL="3657783" indent="0" algn="ctr">
-              <a:buNone/>
-              <a:defRPr sz="1600"/>
-            </a:lvl9pPr>
-          </a:lstStyle>
-          <a:p>
-            <a:r>
-              <a:rPr lang="en-US"/>
-              <a:t>Click to edit Master subtitle style</a:t>
-            </a:r>
-            <a:endParaRPr lang="en-US" dirty="0"/>
-          </a:p>
-        </p:txBody>
-      </p:sp>
-      <p:sp>
-        <p:nvSpPr>
           <p:cNvPr id="4" name="Date Placeholder 3"/>
           <p:cNvSpPr>
             <a:spLocks noGrp="1"/>
@@ -410,9 +595,9 @@
           <a:bodyPr/>
           <a:lstStyle/>
           <a:p>
-            <a:fld id="{28EF79FD-E1F1-5046-BCD1-5A1F32AE3843}" type="datetimeFigureOut">
+            <a:fld id="{0D3F09EE-661D-B54E-9190-08CAEA0FBC42}" type="datetime1">
               <a:rPr lang="en-US" smtClean="0"/>
-              <a:t>4/5/18</a:t>
+              <a:t>4/12/18</a:t>
             </a:fld>
             <a:endParaRPr lang="en-US"/>
           </a:p>
@@ -433,7 +618,10 @@
           <a:bodyPr/>
           <a:lstStyle/>
           <a:p>
-            <a:endParaRPr lang="en-US"/>
+            <a:r>
+              <a:rPr lang="en-US"/>
+              <a:t>Goran Scuric</a:t>
+            </a:r>
           </a:p>
         </p:txBody>
       </p:sp>
@@ -460,91 +648,6 @@
           </a:p>
         </p:txBody>
       </p:sp>
-      <p:sp>
-        <p:nvSpPr>
-          <p:cNvPr id="11" name="TextBox 10"/>
-          <p:cNvSpPr txBox="1"/>
-          <p:nvPr/>
-        </p:nvSpPr>
-        <p:spPr>
-          <a:xfrm>
-            <a:off x="4037366" y="222563"/>
-            <a:ext cx="5299921" cy="400110"/>
-          </a:xfrm>
-          <a:prstGeom prst="rect">
-            <a:avLst/>
-          </a:prstGeom>
-          <a:noFill/>
-        </p:spPr>
-        <p:txBody>
-          <a:bodyPr wrap="square" rtlCol="0">
-            <a:spAutoFit/>
-          </a:bodyPr>
-          <a:lstStyle/>
-          <a:p>
-            <a:r>
-              <a:rPr lang="en-US" sz="2000" b="0" i="1" dirty="0">
-                <a:solidFill>
-                  <a:srgbClr val="85C7BF"/>
-                </a:solidFill>
-                <a:latin typeface="Helvetica Neue" charset="0"/>
-                <a:ea typeface="Helvetica Neue" charset="0"/>
-                <a:cs typeface="Helvetica Neue" charset="0"/>
-              </a:rPr>
-              <a:t>Cybersecurity</a:t>
-            </a:r>
-            <a:r>
-              <a:rPr lang="en-US" sz="2000" b="0" i="1" baseline="0" dirty="0">
-                <a:solidFill>
-                  <a:srgbClr val="85C7BF"/>
-                </a:solidFill>
-                <a:latin typeface="Helvetica Neue" charset="0"/>
-                <a:ea typeface="Helvetica Neue" charset="0"/>
-                <a:cs typeface="Helvetica Neue" charset="0"/>
-              </a:rPr>
-              <a:t> Experimentation of the Future</a:t>
-            </a:r>
-            <a:endParaRPr lang="en-US" sz="2000" b="0" i="1" dirty="0">
-              <a:solidFill>
-                <a:srgbClr val="85C7BF"/>
-              </a:solidFill>
-              <a:latin typeface="Helvetica Neue" charset="0"/>
-              <a:ea typeface="Helvetica Neue" charset="0"/>
-              <a:cs typeface="Helvetica Neue" charset="0"/>
-            </a:endParaRPr>
-          </a:p>
-        </p:txBody>
-      </p:sp>
-      <p:pic>
-        <p:nvPicPr>
-          <p:cNvPr id="13" name="Picture 12"/>
-          <p:cNvPicPr>
-            <a:picLocks noChangeAspect="1"/>
-          </p:cNvPicPr>
-          <p:nvPr/>
-        </p:nvPicPr>
-        <p:blipFill>
-          <a:blip r:embed="rId2">
-            <a:extLst>
-              <a:ext uri="{28A0092B-C50C-407E-A947-70E740481C1C}">
-                <a14:useLocalDpi xmlns:a14="http://schemas.microsoft.com/office/drawing/2010/main" val="0"/>
-              </a:ext>
-            </a:extLst>
-          </a:blip>
-          <a:stretch>
-            <a:fillRect/>
-          </a:stretch>
-        </p:blipFill>
-        <p:spPr>
-          <a:xfrm>
-            <a:off x="3468524" y="84059"/>
-            <a:ext cx="540489" cy="646340"/>
-          </a:xfrm>
-          <a:prstGeom prst="rect">
-            <a:avLst/>
-          </a:prstGeom>
-        </p:spPr>
-      </p:pic>
     </p:spTree>
     <p:extLst/>
   </p:cSld>
@@ -659,9 +762,9 @@
           <a:bodyPr/>
           <a:lstStyle/>
           <a:p>
-            <a:fld id="{28EF79FD-E1F1-5046-BCD1-5A1F32AE3843}" type="datetimeFigureOut">
+            <a:fld id="{C86BFFF6-C2BB-0C4E-AE8C-EE90D655038F}" type="datetime1">
               <a:rPr lang="en-US" smtClean="0"/>
-              <a:t>4/5/18</a:t>
+              <a:t>4/12/18</a:t>
             </a:fld>
             <a:endParaRPr lang="en-US"/>
           </a:p>
@@ -682,7 +785,10 @@
           <a:bodyPr/>
           <a:lstStyle/>
           <a:p>
-            <a:endParaRPr lang="en-US"/>
+            <a:r>
+              <a:rPr lang="en-US"/>
+              <a:t>Goran Scuric</a:t>
+            </a:r>
           </a:p>
         </p:txBody>
       </p:sp>
@@ -833,9 +939,9 @@
           <a:bodyPr/>
           <a:lstStyle/>
           <a:p>
-            <a:fld id="{28EF79FD-E1F1-5046-BCD1-5A1F32AE3843}" type="datetimeFigureOut">
+            <a:fld id="{91331768-94E1-EC46-AA28-3CD299156BCD}" type="datetime1">
               <a:rPr lang="en-US" smtClean="0"/>
-              <a:t>4/5/18</a:t>
+              <a:t>4/12/18</a:t>
             </a:fld>
             <a:endParaRPr lang="en-US"/>
           </a:p>
@@ -856,7 +962,10 @@
           <a:bodyPr/>
           <a:lstStyle/>
           <a:p>
-            <a:endParaRPr lang="en-US"/>
+            <a:r>
+              <a:rPr lang="en-US"/>
+              <a:t>Goran Scuric</a:t>
+            </a:r>
           </a:p>
         </p:txBody>
       </p:sp>
@@ -1094,9 +1203,9 @@
           <a:bodyPr/>
           <a:lstStyle/>
           <a:p>
-            <a:fld id="{28EF79FD-E1F1-5046-BCD1-5A1F32AE3843}" type="datetimeFigureOut">
+            <a:fld id="{32724DFA-AD5D-F24F-AEAF-104504258C91}" type="datetime1">
               <a:rPr lang="en-US" smtClean="0"/>
-              <a:t>4/5/18</a:t>
+              <a:t>4/12/18</a:t>
             </a:fld>
             <a:endParaRPr lang="en-US"/>
           </a:p>
@@ -1117,7 +1226,10 @@
           <a:bodyPr/>
           <a:lstStyle/>
           <a:p>
-            <a:endParaRPr lang="en-US"/>
+            <a:r>
+              <a:rPr lang="en-US" dirty="0"/>
+              <a:t>Goran Scuric</a:t>
+            </a:r>
           </a:p>
         </p:txBody>
       </p:sp>
@@ -1140,7 +1252,7 @@
               <a:rPr lang="en-US" smtClean="0"/>
               <a:t>‹#›</a:t>
             </a:fld>
-            <a:endParaRPr lang="en-US"/>
+            <a:endParaRPr lang="en-US" dirty="0"/>
           </a:p>
         </p:txBody>
       </p:sp>
@@ -1186,36 +1298,6 @@
           </a:p>
         </p:txBody>
       </p:sp>
-      <p:pic>
-        <p:nvPicPr>
-          <p:cNvPr id="9" name="Picture 8"/>
-          <p:cNvPicPr>
-            <a:picLocks noChangeAspect="1"/>
-          </p:cNvPicPr>
-          <p:nvPr/>
-        </p:nvPicPr>
-        <p:blipFill>
-          <a:blip r:embed="rId2">
-            <a:extLst>
-              <a:ext uri="{28A0092B-C50C-407E-A947-70E740481C1C}">
-                <a14:useLocalDpi xmlns:a14="http://schemas.microsoft.com/office/drawing/2010/main" val="0"/>
-              </a:ext>
-            </a:extLst>
-          </a:blip>
-          <a:stretch>
-            <a:fillRect/>
-          </a:stretch>
-        </p:blipFill>
-        <p:spPr>
-          <a:xfrm>
-            <a:off x="11610754" y="6176964"/>
-            <a:ext cx="540489" cy="646340"/>
-          </a:xfrm>
-          <a:prstGeom prst="rect">
-            <a:avLst/>
-          </a:prstGeom>
-        </p:spPr>
-      </p:pic>
     </p:spTree>
     <p:extLst/>
   </p:cSld>
@@ -1407,9 +1489,9 @@
           <a:bodyPr/>
           <a:lstStyle/>
           <a:p>
-            <a:fld id="{28EF79FD-E1F1-5046-BCD1-5A1F32AE3843}" type="datetimeFigureOut">
+            <a:fld id="{F561E0F0-6B81-F84E-9C3F-E8808458CF4A}" type="datetime1">
               <a:rPr lang="en-US" smtClean="0"/>
-              <a:t>4/5/18</a:t>
+              <a:t>4/12/18</a:t>
             </a:fld>
             <a:endParaRPr lang="en-US"/>
           </a:p>
@@ -1430,7 +1512,10 @@
           <a:bodyPr/>
           <a:lstStyle/>
           <a:p>
-            <a:endParaRPr lang="en-US"/>
+            <a:r>
+              <a:rPr lang="en-US"/>
+              <a:t>Goran Scuric</a:t>
+            </a:r>
           </a:p>
         </p:txBody>
       </p:sp>
@@ -1583,35 +1668,35 @@
           <a:p>
             <a:pPr lvl="0"/>
             <a:r>
-              <a:rPr lang="en-US"/>
+              <a:rPr lang="en-US" dirty="0"/>
               <a:t>Click to edit Master text styles</a:t>
             </a:r>
           </a:p>
           <a:p>
             <a:pPr lvl="1"/>
             <a:r>
-              <a:rPr lang="en-US"/>
+              <a:rPr lang="en-US" dirty="0"/>
               <a:t>Second level</a:t>
             </a:r>
           </a:p>
           <a:p>
             <a:pPr lvl="2"/>
             <a:r>
-              <a:rPr lang="en-US"/>
+              <a:rPr lang="en-US" dirty="0"/>
               <a:t>Third level</a:t>
             </a:r>
           </a:p>
           <a:p>
             <a:pPr lvl="3"/>
             <a:r>
-              <a:rPr lang="en-US"/>
+              <a:rPr lang="en-US" dirty="0"/>
               <a:t>Fourth level</a:t>
             </a:r>
           </a:p>
           <a:p>
             <a:pPr lvl="4"/>
             <a:r>
-              <a:rPr lang="en-US"/>
+              <a:rPr lang="en-US" dirty="0"/>
               <a:t>Fifth level</a:t>
             </a:r>
           </a:p>
@@ -1632,9 +1717,9 @@
           <a:bodyPr/>
           <a:lstStyle/>
           <a:p>
-            <a:fld id="{28EF79FD-E1F1-5046-BCD1-5A1F32AE3843}" type="datetimeFigureOut">
+            <a:fld id="{16A0C693-7D64-844C-890E-CCEEF8D4EE85}" type="datetime1">
               <a:rPr lang="en-US" smtClean="0"/>
-              <a:t>4/5/18</a:t>
+              <a:t>4/12/18</a:t>
             </a:fld>
             <a:endParaRPr lang="en-US"/>
           </a:p>
@@ -1655,7 +1740,10 @@
           <a:bodyPr/>
           <a:lstStyle/>
           <a:p>
-            <a:endParaRPr lang="en-US"/>
+            <a:r>
+              <a:rPr lang="en-US" dirty="0"/>
+              <a:t>Goran Scuric</a:t>
+            </a:r>
           </a:p>
         </p:txBody>
       </p:sp>
@@ -1992,9 +2080,9 @@
           <a:bodyPr/>
           <a:lstStyle/>
           <a:p>
-            <a:fld id="{28EF79FD-E1F1-5046-BCD1-5A1F32AE3843}" type="datetimeFigureOut">
+            <a:fld id="{F24BC6F1-EA11-CC48-8529-D1B98354A22C}" type="datetime1">
               <a:rPr lang="en-US" smtClean="0"/>
-              <a:t>4/5/18</a:t>
+              <a:t>4/12/18</a:t>
             </a:fld>
             <a:endParaRPr lang="en-US"/>
           </a:p>
@@ -2015,7 +2103,10 @@
           <a:bodyPr/>
           <a:lstStyle/>
           <a:p>
-            <a:endParaRPr lang="en-US"/>
+            <a:r>
+              <a:rPr lang="en-US"/>
+              <a:t>Goran Scuric</a:t>
+            </a:r>
           </a:p>
         </p:txBody>
       </p:sp>
@@ -2105,9 +2196,9 @@
           <a:bodyPr/>
           <a:lstStyle/>
           <a:p>
-            <a:fld id="{28EF79FD-E1F1-5046-BCD1-5A1F32AE3843}" type="datetimeFigureOut">
+            <a:fld id="{E881DE17-C5CE-E44A-B6B5-7E31EEE50F5E}" type="datetime1">
               <a:rPr lang="en-US" smtClean="0"/>
-              <a:t>4/5/18</a:t>
+              <a:t>4/12/18</a:t>
             </a:fld>
             <a:endParaRPr lang="en-US"/>
           </a:p>
@@ -2128,7 +2219,10 @@
           <a:bodyPr/>
           <a:lstStyle/>
           <a:p>
-            <a:endParaRPr lang="en-US"/>
+            <a:r>
+              <a:rPr lang="en-US"/>
+              <a:t>Goran Scuric</a:t>
+            </a:r>
           </a:p>
         </p:txBody>
       </p:sp>
@@ -2196,9 +2290,9 @@
           <a:bodyPr/>
           <a:lstStyle/>
           <a:p>
-            <a:fld id="{28EF79FD-E1F1-5046-BCD1-5A1F32AE3843}" type="datetimeFigureOut">
+            <a:fld id="{F1CD0D3A-E3A6-6645-99E8-D73EEA800DDF}" type="datetime1">
               <a:rPr lang="en-US" smtClean="0"/>
-              <a:t>4/5/18</a:t>
+              <a:t>4/12/18</a:t>
             </a:fld>
             <a:endParaRPr lang="en-US"/>
           </a:p>
@@ -2219,7 +2313,10 @@
           <a:bodyPr/>
           <a:lstStyle/>
           <a:p>
-            <a:endParaRPr lang="en-US"/>
+            <a:r>
+              <a:rPr lang="en-US"/>
+              <a:t>Goran Scuric</a:t>
+            </a:r>
           </a:p>
         </p:txBody>
       </p:sp>
@@ -2467,9 +2564,9 @@
           <a:bodyPr/>
           <a:lstStyle/>
           <a:p>
-            <a:fld id="{28EF79FD-E1F1-5046-BCD1-5A1F32AE3843}" type="datetimeFigureOut">
+            <a:fld id="{AEC279F3-DCB6-8F44-BEEF-4A3C075E4ED0}" type="datetime1">
               <a:rPr lang="en-US" smtClean="0"/>
-              <a:t>4/5/18</a:t>
+              <a:t>4/12/18</a:t>
             </a:fld>
             <a:endParaRPr lang="en-US"/>
           </a:p>
@@ -2490,7 +2587,10 @@
           <a:bodyPr/>
           <a:lstStyle/>
           <a:p>
-            <a:endParaRPr lang="en-US"/>
+            <a:r>
+              <a:rPr lang="en-US"/>
+              <a:t>Goran Scuric</a:t>
+            </a:r>
           </a:p>
         </p:txBody>
       </p:sp>
@@ -2718,9 +2818,9 @@
           <a:bodyPr/>
           <a:lstStyle/>
           <a:p>
-            <a:fld id="{28EF79FD-E1F1-5046-BCD1-5A1F32AE3843}" type="datetimeFigureOut">
+            <a:fld id="{4B953D1E-CBD7-F844-B22E-C8A2B93C507D}" type="datetime1">
               <a:rPr lang="en-US" smtClean="0"/>
-              <a:t>4/5/18</a:t>
+              <a:t>4/12/18</a:t>
             </a:fld>
             <a:endParaRPr lang="en-US"/>
           </a:p>
@@ -2741,7 +2841,10 @@
           <a:bodyPr/>
           <a:lstStyle/>
           <a:p>
-            <a:endParaRPr lang="en-US"/>
+            <a:r>
+              <a:rPr lang="en-US"/>
+              <a:t>Goran Scuric</a:t>
+            </a:r>
           </a:p>
         </p:txBody>
       </p:sp>
@@ -2925,9 +3028,9 @@
             </a:lvl1pPr>
           </a:lstStyle>
           <a:p>
-            <a:fld id="{28EF79FD-E1F1-5046-BCD1-5A1F32AE3843}" type="datetimeFigureOut">
+            <a:fld id="{174BD5ED-4B1C-7341-ACAB-9C732097D92B}" type="datetime1">
               <a:rPr lang="en-US" smtClean="0"/>
-              <a:t>4/5/18</a:t>
+              <a:t>4/12/18</a:t>
             </a:fld>
             <a:endParaRPr lang="en-US"/>
           </a:p>
@@ -2966,7 +3069,10 @@
             </a:lvl1pPr>
           </a:lstStyle>
           <a:p>
-            <a:endParaRPr lang="en-US"/>
+            <a:r>
+              <a:rPr lang="en-US"/>
+              <a:t>Goran Scuric</a:t>
+            </a:r>
           </a:p>
         </p:txBody>
       </p:sp>
@@ -3032,6 +3138,7 @@
     <p:sldLayoutId id="2147483694" r:id="rId10"/>
     <p:sldLayoutId id="2147483695" r:id="rId11"/>
   </p:sldLayoutIdLst>
+  <p:hf hdr="0"/>
   <p:txStyles>
     <p:titleStyle>
       <a:lvl1pPr algn="l" defTabSz="914446" rtl="0" eaLnBrk="1" latinLnBrk="0" hangingPunct="1">
@@ -3361,10 +3468,15 @@
             <a:spLocks noGrp="1"/>
           </p:cNvSpPr>
           <p:nvPr>
-            <p:ph type="subTitle" idx="1"/>
+            <p:ph type="subTitle" idx="4294967295"/>
           </p:nvPr>
         </p:nvSpPr>
-        <p:spPr/>
+        <p:spPr>
+          <a:xfrm>
+            <a:off x="1524000" y="4449123"/>
+            <a:ext cx="9144000" cy="1563687"/>
+          </a:xfrm>
+        </p:spPr>
         <p:txBody>
           <a:bodyPr/>
           <a:lstStyle/>
@@ -3373,6 +3485,92 @@
               <a:rPr lang="en-US" dirty="0"/>
               <a:t>Goran Scuric , Apr 2018 </a:t>
             </a:r>
+          </a:p>
+        </p:txBody>
+      </p:sp>
+      <p:sp>
+        <p:nvSpPr>
+          <p:cNvPr id="6" name="Date Placeholder 5">
+            <a:extLst>
+              <a:ext uri="{FF2B5EF4-FFF2-40B4-BE49-F238E27FC236}">
+                <a16:creationId xmlns:a16="http://schemas.microsoft.com/office/drawing/2014/main" id="{16B31E52-712A-6A4A-83CF-F05311DCBA54}"/>
+              </a:ext>
+            </a:extLst>
+          </p:cNvPr>
+          <p:cNvSpPr>
+            <a:spLocks noGrp="1"/>
+          </p:cNvSpPr>
+          <p:nvPr>
+            <p:ph type="dt" sz="half" idx="10"/>
+          </p:nvPr>
+        </p:nvSpPr>
+        <p:spPr/>
+        <p:txBody>
+          <a:bodyPr/>
+          <a:lstStyle/>
+          <a:p>
+            <a:fld id="{085168E0-EA92-D24C-9614-2FD9AA96DAD1}" type="datetime1">
+              <a:rPr lang="en-US" smtClean="0"/>
+              <a:t>4/12/18</a:t>
+            </a:fld>
+            <a:endParaRPr lang="en-US"/>
+          </a:p>
+        </p:txBody>
+      </p:sp>
+      <p:sp>
+        <p:nvSpPr>
+          <p:cNvPr id="7" name="Footer Placeholder 6">
+            <a:extLst>
+              <a:ext uri="{FF2B5EF4-FFF2-40B4-BE49-F238E27FC236}">
+                <a16:creationId xmlns:a16="http://schemas.microsoft.com/office/drawing/2014/main" id="{C5CAF43D-EFF0-1B40-88A6-E55C55EF23C9}"/>
+              </a:ext>
+            </a:extLst>
+          </p:cNvPr>
+          <p:cNvSpPr>
+            <a:spLocks noGrp="1"/>
+          </p:cNvSpPr>
+          <p:nvPr>
+            <p:ph type="ftr" sz="quarter" idx="11"/>
+          </p:nvPr>
+        </p:nvSpPr>
+        <p:spPr/>
+        <p:txBody>
+          <a:bodyPr/>
+          <a:lstStyle/>
+          <a:p>
+            <a:r>
+              <a:rPr lang="en-US"/>
+              <a:t>Goran Scuric</a:t>
+            </a:r>
+          </a:p>
+        </p:txBody>
+      </p:sp>
+      <p:sp>
+        <p:nvSpPr>
+          <p:cNvPr id="8" name="Slide Number Placeholder 7">
+            <a:extLst>
+              <a:ext uri="{FF2B5EF4-FFF2-40B4-BE49-F238E27FC236}">
+                <a16:creationId xmlns:a16="http://schemas.microsoft.com/office/drawing/2014/main" id="{594F003C-D0B6-A14F-A2BF-C683E00BDB9C}"/>
+              </a:ext>
+            </a:extLst>
+          </p:cNvPr>
+          <p:cNvSpPr>
+            <a:spLocks noGrp="1"/>
+          </p:cNvSpPr>
+          <p:nvPr>
+            <p:ph type="sldNum" sz="quarter" idx="12"/>
+          </p:nvPr>
+        </p:nvSpPr>
+        <p:spPr/>
+        <p:txBody>
+          <a:bodyPr/>
+          <a:lstStyle/>
+          <a:p>
+            <a:fld id="{2743A12C-F64B-8E4D-A41F-034344D8023F}" type="slidenum">
+              <a:rPr lang="en-US" smtClean="0"/>
+              <a:t>1</a:t>
+            </a:fld>
+            <a:endParaRPr lang="en-US"/>
           </a:p>
         </p:txBody>
       </p:sp>
@@ -3475,6 +3673,93 @@
           </a:extLst>
         </p:spPr>
       </p:pic>
+      <p:sp>
+        <p:nvSpPr>
+          <p:cNvPr id="2" name="Date Placeholder 1">
+            <a:extLst>
+              <a:ext uri="{FF2B5EF4-FFF2-40B4-BE49-F238E27FC236}">
+                <a16:creationId xmlns:a16="http://schemas.microsoft.com/office/drawing/2014/main" id="{F3026CFF-201E-E34A-A86C-52723E0000C7}"/>
+              </a:ext>
+            </a:extLst>
+          </p:cNvPr>
+          <p:cNvSpPr>
+            <a:spLocks noGrp="1"/>
+          </p:cNvSpPr>
+          <p:nvPr>
+            <p:ph type="dt" sz="half" idx="10"/>
+          </p:nvPr>
+        </p:nvSpPr>
+        <p:spPr/>
+        <p:txBody>
+          <a:bodyPr/>
+          <a:lstStyle/>
+          <a:p>
+            <a:fld id="{BFFE37A5-3415-FE4F-8076-D271AD5A3331}" type="datetime1">
+              <a:rPr lang="en-US" smtClean="0"/>
+              <a:t>4/12/18</a:t>
+            </a:fld>
+            <a:endParaRPr lang="en-US"/>
+          </a:p>
+        </p:txBody>
+      </p:sp>
+      <p:sp>
+        <p:nvSpPr>
+          <p:cNvPr id="4" name="Footer Placeholder 3">
+            <a:extLst>
+              <a:ext uri="{FF2B5EF4-FFF2-40B4-BE49-F238E27FC236}">
+                <a16:creationId xmlns:a16="http://schemas.microsoft.com/office/drawing/2014/main" id="{3D985016-36CF-3846-B54B-E3F3BF00CD4C}"/>
+              </a:ext>
+            </a:extLst>
+          </p:cNvPr>
+          <p:cNvSpPr>
+            <a:spLocks noGrp="1"/>
+          </p:cNvSpPr>
+          <p:nvPr>
+            <p:ph type="ftr" sz="quarter" idx="11"/>
+          </p:nvPr>
+        </p:nvSpPr>
+        <p:spPr/>
+        <p:txBody>
+          <a:bodyPr/>
+          <a:lstStyle/>
+          <a:p>
+            <a:r>
+              <a:rPr lang="en-US"/>
+              <a:t>Goran Scuric</a:t>
+            </a:r>
+            <a:endParaRPr lang="en-US" dirty="0"/>
+          </a:p>
+        </p:txBody>
+      </p:sp>
+      <p:sp>
+        <p:nvSpPr>
+          <p:cNvPr id="5" name="Slide Number Placeholder 4">
+            <a:extLst>
+              <a:ext uri="{FF2B5EF4-FFF2-40B4-BE49-F238E27FC236}">
+                <a16:creationId xmlns:a16="http://schemas.microsoft.com/office/drawing/2014/main" id="{2C57E04C-BFAC-8C4F-8EFF-9D58D14F5D17}"/>
+              </a:ext>
+            </a:extLst>
+          </p:cNvPr>
+          <p:cNvSpPr>
+            <a:spLocks noGrp="1"/>
+          </p:cNvSpPr>
+          <p:nvPr>
+            <p:ph type="sldNum" sz="quarter" idx="12"/>
+          </p:nvPr>
+        </p:nvSpPr>
+        <p:spPr/>
+        <p:txBody>
+          <a:bodyPr/>
+          <a:lstStyle/>
+          <a:p>
+            <a:fld id="{2743A12C-F64B-8E4D-A41F-034344D8023F}" type="slidenum">
+              <a:rPr lang="en-US" smtClean="0"/>
+              <a:t>10</a:t>
+            </a:fld>
+            <a:endParaRPr lang="en-US" dirty="0"/>
+          </a:p>
+        </p:txBody>
+      </p:sp>
     </p:spTree>
     <p:extLst>
       <p:ext uri="{BB962C8B-B14F-4D97-AF65-F5344CB8AC3E}">
@@ -6355,6 +6640,93 @@
           </a:p>
         </p:txBody>
       </p:sp>
+      <p:sp>
+        <p:nvSpPr>
+          <p:cNvPr id="2" name="Date Placeholder 1">
+            <a:extLst>
+              <a:ext uri="{FF2B5EF4-FFF2-40B4-BE49-F238E27FC236}">
+                <a16:creationId xmlns:a16="http://schemas.microsoft.com/office/drawing/2014/main" id="{3442557F-5F98-2644-8EB9-3E748B2F9B83}"/>
+              </a:ext>
+            </a:extLst>
+          </p:cNvPr>
+          <p:cNvSpPr>
+            <a:spLocks noGrp="1"/>
+          </p:cNvSpPr>
+          <p:nvPr>
+            <p:ph type="dt" sz="half" idx="10"/>
+          </p:nvPr>
+        </p:nvSpPr>
+        <p:spPr/>
+        <p:txBody>
+          <a:bodyPr/>
+          <a:lstStyle/>
+          <a:p>
+            <a:fld id="{295D0CD3-4D9C-ED41-92B6-696540E20B81}" type="datetime1">
+              <a:rPr lang="en-US" smtClean="0"/>
+              <a:t>4/12/18</a:t>
+            </a:fld>
+            <a:endParaRPr lang="en-US"/>
+          </a:p>
+        </p:txBody>
+      </p:sp>
+      <p:sp>
+        <p:nvSpPr>
+          <p:cNvPr id="5" name="Footer Placeholder 4">
+            <a:extLst>
+              <a:ext uri="{FF2B5EF4-FFF2-40B4-BE49-F238E27FC236}">
+                <a16:creationId xmlns:a16="http://schemas.microsoft.com/office/drawing/2014/main" id="{EBFD57CE-7C3E-F745-92CB-A791E06B4DA7}"/>
+              </a:ext>
+            </a:extLst>
+          </p:cNvPr>
+          <p:cNvSpPr>
+            <a:spLocks noGrp="1"/>
+          </p:cNvSpPr>
+          <p:nvPr>
+            <p:ph type="ftr" sz="quarter" idx="11"/>
+          </p:nvPr>
+        </p:nvSpPr>
+        <p:spPr/>
+        <p:txBody>
+          <a:bodyPr/>
+          <a:lstStyle/>
+          <a:p>
+            <a:r>
+              <a:rPr lang="en-US"/>
+              <a:t>Goran Scuric</a:t>
+            </a:r>
+            <a:endParaRPr lang="en-US" dirty="0"/>
+          </a:p>
+        </p:txBody>
+      </p:sp>
+      <p:sp>
+        <p:nvSpPr>
+          <p:cNvPr id="10" name="Slide Number Placeholder 9">
+            <a:extLst>
+              <a:ext uri="{FF2B5EF4-FFF2-40B4-BE49-F238E27FC236}">
+                <a16:creationId xmlns:a16="http://schemas.microsoft.com/office/drawing/2014/main" id="{DFB942F0-B6B7-F341-ABEF-E322D42285A1}"/>
+              </a:ext>
+            </a:extLst>
+          </p:cNvPr>
+          <p:cNvSpPr>
+            <a:spLocks noGrp="1"/>
+          </p:cNvSpPr>
+          <p:nvPr>
+            <p:ph type="sldNum" sz="quarter" idx="12"/>
+          </p:nvPr>
+        </p:nvSpPr>
+        <p:spPr/>
+        <p:txBody>
+          <a:bodyPr/>
+          <a:lstStyle/>
+          <a:p>
+            <a:fld id="{2743A12C-F64B-8E4D-A41F-034344D8023F}" type="slidenum">
+              <a:rPr lang="en-US" smtClean="0"/>
+              <a:t>11</a:t>
+            </a:fld>
+            <a:endParaRPr lang="en-US" dirty="0"/>
+          </a:p>
+        </p:txBody>
+      </p:sp>
     </p:spTree>
     <p:extLst>
       <p:ext uri="{BB962C8B-B14F-4D97-AF65-F5344CB8AC3E}">
@@ -6454,6 +6826,93 @@
           </a:extLst>
         </p:spPr>
       </p:pic>
+      <p:sp>
+        <p:nvSpPr>
+          <p:cNvPr id="2" name="Date Placeholder 1">
+            <a:extLst>
+              <a:ext uri="{FF2B5EF4-FFF2-40B4-BE49-F238E27FC236}">
+                <a16:creationId xmlns:a16="http://schemas.microsoft.com/office/drawing/2014/main" id="{7BCBC8DD-9DBC-1247-8B36-31FF7A2ED794}"/>
+              </a:ext>
+            </a:extLst>
+          </p:cNvPr>
+          <p:cNvSpPr>
+            <a:spLocks noGrp="1"/>
+          </p:cNvSpPr>
+          <p:nvPr>
+            <p:ph type="dt" sz="half" idx="10"/>
+          </p:nvPr>
+        </p:nvSpPr>
+        <p:spPr/>
+        <p:txBody>
+          <a:bodyPr/>
+          <a:lstStyle/>
+          <a:p>
+            <a:fld id="{F48E68FB-92F7-304C-AFDF-92B439D9B928}" type="datetime1">
+              <a:rPr lang="en-US" smtClean="0"/>
+              <a:t>4/12/18</a:t>
+            </a:fld>
+            <a:endParaRPr lang="en-US"/>
+          </a:p>
+        </p:txBody>
+      </p:sp>
+      <p:sp>
+        <p:nvSpPr>
+          <p:cNvPr id="4" name="Footer Placeholder 3">
+            <a:extLst>
+              <a:ext uri="{FF2B5EF4-FFF2-40B4-BE49-F238E27FC236}">
+                <a16:creationId xmlns:a16="http://schemas.microsoft.com/office/drawing/2014/main" id="{626A4762-FE5D-F242-BB9B-80541451D44F}"/>
+              </a:ext>
+            </a:extLst>
+          </p:cNvPr>
+          <p:cNvSpPr>
+            <a:spLocks noGrp="1"/>
+          </p:cNvSpPr>
+          <p:nvPr>
+            <p:ph type="ftr" sz="quarter" idx="11"/>
+          </p:nvPr>
+        </p:nvSpPr>
+        <p:spPr/>
+        <p:txBody>
+          <a:bodyPr/>
+          <a:lstStyle/>
+          <a:p>
+            <a:r>
+              <a:rPr lang="en-US"/>
+              <a:t>Goran Scuric</a:t>
+            </a:r>
+            <a:endParaRPr lang="en-US" dirty="0"/>
+          </a:p>
+        </p:txBody>
+      </p:sp>
+      <p:sp>
+        <p:nvSpPr>
+          <p:cNvPr id="5" name="Slide Number Placeholder 4">
+            <a:extLst>
+              <a:ext uri="{FF2B5EF4-FFF2-40B4-BE49-F238E27FC236}">
+                <a16:creationId xmlns:a16="http://schemas.microsoft.com/office/drawing/2014/main" id="{846CBACE-C06C-0A46-B1A7-9A94F674D753}"/>
+              </a:ext>
+            </a:extLst>
+          </p:cNvPr>
+          <p:cNvSpPr>
+            <a:spLocks noGrp="1"/>
+          </p:cNvSpPr>
+          <p:nvPr>
+            <p:ph type="sldNum" sz="quarter" idx="12"/>
+          </p:nvPr>
+        </p:nvSpPr>
+        <p:spPr/>
+        <p:txBody>
+          <a:bodyPr/>
+          <a:lstStyle/>
+          <a:p>
+            <a:fld id="{2743A12C-F64B-8E4D-A41F-034344D8023F}" type="slidenum">
+              <a:rPr lang="en-US" smtClean="0"/>
+              <a:t>12</a:t>
+            </a:fld>
+            <a:endParaRPr lang="en-US" dirty="0"/>
+          </a:p>
+        </p:txBody>
+      </p:sp>
     </p:spTree>
     <p:extLst>
       <p:ext uri="{BB962C8B-B14F-4D97-AF65-F5344CB8AC3E}">
@@ -6618,6 +7077,93 @@
           </a:p>
         </p:txBody>
       </p:sp>
+      <p:sp>
+        <p:nvSpPr>
+          <p:cNvPr id="2" name="Date Placeholder 1">
+            <a:extLst>
+              <a:ext uri="{FF2B5EF4-FFF2-40B4-BE49-F238E27FC236}">
+                <a16:creationId xmlns:a16="http://schemas.microsoft.com/office/drawing/2014/main" id="{A442C7C6-BF38-7644-ACB7-6F30CFFD6EB6}"/>
+              </a:ext>
+            </a:extLst>
+          </p:cNvPr>
+          <p:cNvSpPr>
+            <a:spLocks noGrp="1"/>
+          </p:cNvSpPr>
+          <p:nvPr>
+            <p:ph type="dt" sz="half" idx="10"/>
+          </p:nvPr>
+        </p:nvSpPr>
+        <p:spPr/>
+        <p:txBody>
+          <a:bodyPr/>
+          <a:lstStyle/>
+          <a:p>
+            <a:fld id="{5FBEB143-4196-1345-8BBE-90D8104B58F3}" type="datetime1">
+              <a:rPr lang="en-US" smtClean="0"/>
+              <a:t>4/12/18</a:t>
+            </a:fld>
+            <a:endParaRPr lang="en-US"/>
+          </a:p>
+        </p:txBody>
+      </p:sp>
+      <p:sp>
+        <p:nvSpPr>
+          <p:cNvPr id="5" name="Footer Placeholder 4">
+            <a:extLst>
+              <a:ext uri="{FF2B5EF4-FFF2-40B4-BE49-F238E27FC236}">
+                <a16:creationId xmlns:a16="http://schemas.microsoft.com/office/drawing/2014/main" id="{2ACB68D6-B779-8547-AA6E-A17E1793A43D}"/>
+              </a:ext>
+            </a:extLst>
+          </p:cNvPr>
+          <p:cNvSpPr>
+            <a:spLocks noGrp="1"/>
+          </p:cNvSpPr>
+          <p:nvPr>
+            <p:ph type="ftr" sz="quarter" idx="11"/>
+          </p:nvPr>
+        </p:nvSpPr>
+        <p:spPr/>
+        <p:txBody>
+          <a:bodyPr/>
+          <a:lstStyle/>
+          <a:p>
+            <a:r>
+              <a:rPr lang="en-US"/>
+              <a:t>Goran Scuric</a:t>
+            </a:r>
+            <a:endParaRPr lang="en-US" dirty="0"/>
+          </a:p>
+        </p:txBody>
+      </p:sp>
+      <p:sp>
+        <p:nvSpPr>
+          <p:cNvPr id="6" name="Slide Number Placeholder 5">
+            <a:extLst>
+              <a:ext uri="{FF2B5EF4-FFF2-40B4-BE49-F238E27FC236}">
+                <a16:creationId xmlns:a16="http://schemas.microsoft.com/office/drawing/2014/main" id="{B35AC8E1-6D35-F544-899A-3A4F7396D8DB}"/>
+              </a:ext>
+            </a:extLst>
+          </p:cNvPr>
+          <p:cNvSpPr>
+            <a:spLocks noGrp="1"/>
+          </p:cNvSpPr>
+          <p:nvPr>
+            <p:ph type="sldNum" sz="quarter" idx="12"/>
+          </p:nvPr>
+        </p:nvSpPr>
+        <p:spPr/>
+        <p:txBody>
+          <a:bodyPr/>
+          <a:lstStyle/>
+          <a:p>
+            <a:fld id="{2743A12C-F64B-8E4D-A41F-034344D8023F}" type="slidenum">
+              <a:rPr lang="en-US" smtClean="0"/>
+              <a:t>13</a:t>
+            </a:fld>
+            <a:endParaRPr lang="en-US" dirty="0"/>
+          </a:p>
+        </p:txBody>
+      </p:sp>
     </p:spTree>
     <p:extLst>
       <p:ext uri="{BB962C8B-B14F-4D97-AF65-F5344CB8AC3E}">
@@ -6832,6 +7378,93 @@
           </a:p>
         </p:txBody>
       </p:sp>
+      <p:sp>
+        <p:nvSpPr>
+          <p:cNvPr id="4" name="Date Placeholder 3">
+            <a:extLst>
+              <a:ext uri="{FF2B5EF4-FFF2-40B4-BE49-F238E27FC236}">
+                <a16:creationId xmlns:a16="http://schemas.microsoft.com/office/drawing/2014/main" id="{96E52800-FB42-6C4D-B53F-BE38B956E70C}"/>
+              </a:ext>
+            </a:extLst>
+          </p:cNvPr>
+          <p:cNvSpPr>
+            <a:spLocks noGrp="1"/>
+          </p:cNvSpPr>
+          <p:nvPr>
+            <p:ph type="dt" sz="half" idx="10"/>
+          </p:nvPr>
+        </p:nvSpPr>
+        <p:spPr/>
+        <p:txBody>
+          <a:bodyPr/>
+          <a:lstStyle/>
+          <a:p>
+            <a:fld id="{305A9E52-16F4-EE40-9085-C98D349AC9C4}" type="datetime1">
+              <a:rPr lang="en-US" smtClean="0"/>
+              <a:t>4/12/18</a:t>
+            </a:fld>
+            <a:endParaRPr lang="en-US"/>
+          </a:p>
+        </p:txBody>
+      </p:sp>
+      <p:sp>
+        <p:nvSpPr>
+          <p:cNvPr id="5" name="Footer Placeholder 4">
+            <a:extLst>
+              <a:ext uri="{FF2B5EF4-FFF2-40B4-BE49-F238E27FC236}">
+                <a16:creationId xmlns:a16="http://schemas.microsoft.com/office/drawing/2014/main" id="{999EA2C3-4CF5-5342-928D-EB46AC98F199}"/>
+              </a:ext>
+            </a:extLst>
+          </p:cNvPr>
+          <p:cNvSpPr>
+            <a:spLocks noGrp="1"/>
+          </p:cNvSpPr>
+          <p:nvPr>
+            <p:ph type="ftr" sz="quarter" idx="11"/>
+          </p:nvPr>
+        </p:nvSpPr>
+        <p:spPr/>
+        <p:txBody>
+          <a:bodyPr/>
+          <a:lstStyle/>
+          <a:p>
+            <a:r>
+              <a:rPr lang="en-US"/>
+              <a:t>Goran Scuric</a:t>
+            </a:r>
+            <a:endParaRPr lang="en-US" dirty="0"/>
+          </a:p>
+        </p:txBody>
+      </p:sp>
+      <p:sp>
+        <p:nvSpPr>
+          <p:cNvPr id="6" name="Slide Number Placeholder 5">
+            <a:extLst>
+              <a:ext uri="{FF2B5EF4-FFF2-40B4-BE49-F238E27FC236}">
+                <a16:creationId xmlns:a16="http://schemas.microsoft.com/office/drawing/2014/main" id="{38CA8D3D-CE66-9C48-BF07-8AD4E8B069AC}"/>
+              </a:ext>
+            </a:extLst>
+          </p:cNvPr>
+          <p:cNvSpPr>
+            <a:spLocks noGrp="1"/>
+          </p:cNvSpPr>
+          <p:nvPr>
+            <p:ph type="sldNum" sz="quarter" idx="12"/>
+          </p:nvPr>
+        </p:nvSpPr>
+        <p:spPr/>
+        <p:txBody>
+          <a:bodyPr/>
+          <a:lstStyle/>
+          <a:p>
+            <a:fld id="{2743A12C-F64B-8E4D-A41F-034344D8023F}" type="slidenum">
+              <a:rPr lang="en-US" smtClean="0"/>
+              <a:t>2</a:t>
+            </a:fld>
+            <a:endParaRPr lang="en-US" dirty="0"/>
+          </a:p>
+        </p:txBody>
+      </p:sp>
     </p:spTree>
     <p:extLst>
       <p:ext uri="{BB962C8B-B14F-4D97-AF65-F5344CB8AC3E}">
@@ -7002,10 +7635,10 @@
       </p:sp>
       <p:sp>
         <p:nvSpPr>
-          <p:cNvPr id="5" name="Rounded Rectangle 4">
-            <a:extLst>
-              <a:ext uri="{FF2B5EF4-FFF2-40B4-BE49-F238E27FC236}">
-                <a16:creationId xmlns:a16="http://schemas.microsoft.com/office/drawing/2014/main" id="{D6F71FF9-D694-0B4E-8950-78EB5FCE5843}"/>
+          <p:cNvPr id="7" name="Rounded Rectangle 6">
+            <a:extLst>
+              <a:ext uri="{FF2B5EF4-FFF2-40B4-BE49-F238E27FC236}">
+                <a16:creationId xmlns:a16="http://schemas.microsoft.com/office/drawing/2014/main" id="{D61362D0-73C6-8942-954B-A928C3B85434}"/>
               </a:ext>
             </a:extLst>
           </p:cNvPr>
@@ -7014,14 +7647,14 @@
         </p:nvSpPr>
         <p:spPr>
           <a:xfrm>
-            <a:off x="3756838" y="988872"/>
-            <a:ext cx="1286540" cy="744279"/>
+            <a:off x="6900528" y="889510"/>
+            <a:ext cx="1888402" cy="1661826"/>
           </a:xfrm>
           <a:prstGeom prst="roundRect">
             <a:avLst/>
           </a:prstGeom>
           <a:solidFill>
-            <a:schemeClr val="accent2">
+            <a:schemeClr val="accent6">
               <a:lumMod val="20000"/>
               <a:lumOff val="80000"/>
             </a:schemeClr>
@@ -7047,19 +7680,16 @@
           <a:lstStyle/>
           <a:p>
             <a:pPr algn="ctr"/>
-            <a:r>
-              <a:rPr lang="en-US" dirty="0"/>
-              <a:t>XML Spec </a:t>
-            </a:r>
-          </a:p>
-        </p:txBody>
-      </p:sp>
-      <p:sp>
-        <p:nvSpPr>
-          <p:cNvPr id="7" name="Rounded Rectangle 6">
-            <a:extLst>
-              <a:ext uri="{FF2B5EF4-FFF2-40B4-BE49-F238E27FC236}">
-                <a16:creationId xmlns:a16="http://schemas.microsoft.com/office/drawing/2014/main" id="{D61362D0-73C6-8942-954B-A928C3B85434}"/>
+            <a:endParaRPr lang="en-US" dirty="0"/>
+          </a:p>
+        </p:txBody>
+      </p:sp>
+      <p:sp>
+        <p:nvSpPr>
+          <p:cNvPr id="8" name="Rounded Rectangle 7">
+            <a:extLst>
+              <a:ext uri="{FF2B5EF4-FFF2-40B4-BE49-F238E27FC236}">
+                <a16:creationId xmlns:a16="http://schemas.microsoft.com/office/drawing/2014/main" id="{50CD2AE4-8E6C-254C-9736-D8957E6CE36B}"/>
               </a:ext>
             </a:extLst>
           </p:cNvPr>
@@ -7068,16 +7698,16 @@
         </p:nvSpPr>
         <p:spPr>
           <a:xfrm>
-            <a:off x="7506585" y="845342"/>
-            <a:ext cx="1765005" cy="1801606"/>
+            <a:off x="3705532" y="942004"/>
+            <a:ext cx="1453117" cy="744279"/>
           </a:xfrm>
           <a:prstGeom prst="roundRect">
             <a:avLst/>
           </a:prstGeom>
           <a:solidFill>
             <a:schemeClr val="accent6">
-              <a:lumMod val="20000"/>
-              <a:lumOff val="80000"/>
+              <a:lumMod val="60000"/>
+              <a:lumOff val="40000"/>
             </a:schemeClr>
           </a:solidFill>
           <a:ln/>
@@ -7101,16 +7731,20 @@
           <a:lstStyle/>
           <a:p>
             <a:pPr algn="ctr"/>
+            <a:r>
+              <a:rPr lang="en-US" dirty="0" err="1"/>
+              <a:t>Parse.output</a:t>
+            </a:r>
             <a:endParaRPr lang="en-US" dirty="0"/>
           </a:p>
         </p:txBody>
       </p:sp>
       <p:sp>
         <p:nvSpPr>
-          <p:cNvPr id="8" name="Rounded Rectangle 7">
-            <a:extLst>
-              <a:ext uri="{FF2B5EF4-FFF2-40B4-BE49-F238E27FC236}">
-                <a16:creationId xmlns:a16="http://schemas.microsoft.com/office/drawing/2014/main" id="{50CD2AE4-8E6C-254C-9736-D8957E6CE36B}"/>
+          <p:cNvPr id="9" name="Rounded Rectangle 8">
+            <a:extLst>
+              <a:ext uri="{FF2B5EF4-FFF2-40B4-BE49-F238E27FC236}">
+                <a16:creationId xmlns:a16="http://schemas.microsoft.com/office/drawing/2014/main" id="{5E7A8416-DB57-7647-8776-536BF7484F15}"/>
               </a:ext>
             </a:extLst>
           </p:cNvPr>
@@ -7119,18 +7753,12 @@
         </p:nvSpPr>
         <p:spPr>
           <a:xfrm>
-            <a:off x="7660756" y="953470"/>
-            <a:ext cx="1453117" cy="744279"/>
+            <a:off x="10066647" y="5393194"/>
+            <a:ext cx="1286540" cy="542260"/>
           </a:xfrm>
           <a:prstGeom prst="roundRect">
             <a:avLst/>
           </a:prstGeom>
-          <a:solidFill>
-            <a:schemeClr val="accent6">
-              <a:lumMod val="60000"/>
-              <a:lumOff val="40000"/>
-            </a:schemeClr>
-          </a:solidFill>
           <a:ln/>
         </p:spPr>
         <p:style>
@@ -7153,19 +7781,18 @@
           <a:p>
             <a:pPr algn="ctr"/>
             <a:r>
-              <a:rPr lang="en-US" dirty="0" err="1"/>
-              <a:t>Parse.output</a:t>
-            </a:r>
-            <a:endParaRPr lang="en-US" dirty="0"/>
-          </a:p>
-        </p:txBody>
-      </p:sp>
-      <p:sp>
-        <p:nvSpPr>
-          <p:cNvPr id="9" name="Rounded Rectangle 8">
-            <a:extLst>
-              <a:ext uri="{FF2B5EF4-FFF2-40B4-BE49-F238E27FC236}">
-                <a16:creationId xmlns:a16="http://schemas.microsoft.com/office/drawing/2014/main" id="{5E7A8416-DB57-7647-8776-536BF7484F15}"/>
+              <a:rPr lang="en-US" dirty="0"/>
+              <a:t>Resources</a:t>
+            </a:r>
+          </a:p>
+        </p:txBody>
+      </p:sp>
+      <p:sp>
+        <p:nvSpPr>
+          <p:cNvPr id="10" name="Rounded Rectangle 9">
+            <a:extLst>
+              <a:ext uri="{FF2B5EF4-FFF2-40B4-BE49-F238E27FC236}">
+                <a16:creationId xmlns:a16="http://schemas.microsoft.com/office/drawing/2014/main" id="{AF22646F-F75B-0645-A5B7-67764D8B4035}"/>
               </a:ext>
             </a:extLst>
           </p:cNvPr>
@@ -7174,12 +7801,18 @@
         </p:nvSpPr>
         <p:spPr>
           <a:xfrm>
-            <a:off x="10066647" y="5393194"/>
-            <a:ext cx="1286540" cy="542260"/>
+            <a:off x="7056472" y="1745422"/>
+            <a:ext cx="1596656" cy="744279"/>
           </a:xfrm>
           <a:prstGeom prst="roundRect">
             <a:avLst/>
           </a:prstGeom>
+          <a:solidFill>
+            <a:schemeClr val="accent6">
+              <a:lumMod val="60000"/>
+              <a:lumOff val="40000"/>
+            </a:schemeClr>
+          </a:solidFill>
           <a:ln/>
         </p:spPr>
         <p:style>
@@ -7202,18 +7835,19 @@
           <a:p>
             <a:pPr algn="ctr"/>
             <a:r>
-              <a:rPr lang="en-US" dirty="0"/>
-              <a:t>Resources</a:t>
-            </a:r>
-          </a:p>
-        </p:txBody>
-      </p:sp>
-      <p:sp>
-        <p:nvSpPr>
-          <p:cNvPr id="10" name="Rounded Rectangle 9">
-            <a:extLst>
-              <a:ext uri="{FF2B5EF4-FFF2-40B4-BE49-F238E27FC236}">
-                <a16:creationId xmlns:a16="http://schemas.microsoft.com/office/drawing/2014/main" id="{AF22646F-F75B-0645-A5B7-67764D8B4035}"/>
+              <a:rPr lang="en-US" dirty="0" err="1"/>
+              <a:t>Parse.input</a:t>
+            </a:r>
+            <a:endParaRPr lang="en-US" dirty="0"/>
+          </a:p>
+        </p:txBody>
+      </p:sp>
+      <p:sp>
+        <p:nvSpPr>
+          <p:cNvPr id="11" name="Oval 10">
+            <a:extLst>
+              <a:ext uri="{FF2B5EF4-FFF2-40B4-BE49-F238E27FC236}">
+                <a16:creationId xmlns:a16="http://schemas.microsoft.com/office/drawing/2014/main" id="{5D519929-492D-AC49-98AA-C164C1955DE9}"/>
               </a:ext>
             </a:extLst>
           </p:cNvPr>
@@ -7222,18 +7856,591 @@
         </p:nvSpPr>
         <p:spPr>
           <a:xfrm>
-            <a:off x="7690882" y="1767776"/>
-            <a:ext cx="1453116" cy="744279"/>
+            <a:off x="2225750" y="875457"/>
+            <a:ext cx="1137684" cy="1084520"/>
+          </a:xfrm>
+          <a:prstGeom prst="ellipse">
+            <a:avLst/>
+          </a:prstGeom>
+          <a:solidFill>
+            <a:schemeClr val="accent1">
+              <a:lumMod val="20000"/>
+              <a:lumOff val="80000"/>
+            </a:schemeClr>
+          </a:solidFill>
+        </p:spPr>
+        <p:style>
+          <a:lnRef idx="2">
+            <a:schemeClr val="accent1">
+              <a:shade val="50000"/>
+            </a:schemeClr>
+          </a:lnRef>
+          <a:fillRef idx="1">
+            <a:schemeClr val="accent1"/>
+          </a:fillRef>
+          <a:effectRef idx="0">
+            <a:schemeClr val="accent1"/>
+          </a:effectRef>
+          <a:fontRef idx="minor">
+            <a:schemeClr val="lt1"/>
+          </a:fontRef>
+        </p:style>
+        <p:txBody>
+          <a:bodyPr rtlCol="0" anchor="ctr"/>
+          <a:lstStyle/>
+          <a:p>
+            <a:pPr algn="ctr"/>
+            <a:r>
+              <a:rPr lang="en-US" dirty="0">
+                <a:solidFill>
+                  <a:schemeClr val="tx1"/>
+                </a:solidFill>
+              </a:rPr>
+              <a:t>NS2 to XML</a:t>
+            </a:r>
+          </a:p>
+        </p:txBody>
+      </p:sp>
+      <p:sp>
+        <p:nvSpPr>
+          <p:cNvPr id="12" name="Oval 11">
+            <a:extLst>
+              <a:ext uri="{FF2B5EF4-FFF2-40B4-BE49-F238E27FC236}">
+                <a16:creationId xmlns:a16="http://schemas.microsoft.com/office/drawing/2014/main" id="{BBD52372-D269-6142-A762-4E488E34EF92}"/>
+              </a:ext>
+            </a:extLst>
+          </p:cNvPr>
+          <p:cNvSpPr/>
+          <p:nvPr/>
+        </p:nvSpPr>
+        <p:spPr>
+          <a:xfrm>
+            <a:off x="9952073" y="988872"/>
+            <a:ext cx="1298944" cy="1308170"/>
+          </a:xfrm>
+          <a:prstGeom prst="ellipse">
+            <a:avLst/>
+          </a:prstGeom>
+          <a:solidFill>
+            <a:schemeClr val="accent1">
+              <a:lumMod val="20000"/>
+              <a:lumOff val="80000"/>
+            </a:schemeClr>
+          </a:solidFill>
+        </p:spPr>
+        <p:style>
+          <a:lnRef idx="2">
+            <a:schemeClr val="accent1">
+              <a:shade val="50000"/>
+            </a:schemeClr>
+          </a:lnRef>
+          <a:fillRef idx="1">
+            <a:schemeClr val="accent1"/>
+          </a:fillRef>
+          <a:effectRef idx="0">
+            <a:schemeClr val="accent1"/>
+          </a:effectRef>
+          <a:fontRef idx="minor">
+            <a:schemeClr val="lt1"/>
+          </a:fontRef>
+        </p:style>
+        <p:txBody>
+          <a:bodyPr rtlCol="0" anchor="ctr"/>
+          <a:lstStyle/>
+          <a:p>
+            <a:pPr algn="ctr"/>
+            <a:r>
+              <a:rPr lang="en-US" dirty="0" err="1">
+                <a:solidFill>
+                  <a:schemeClr val="tx1"/>
+                </a:solidFill>
+              </a:rPr>
+              <a:t>Virt</a:t>
+            </a:r>
+            <a:r>
+              <a:rPr lang="en-US" dirty="0">
+                <a:solidFill>
+                  <a:schemeClr val="tx1"/>
+                </a:solidFill>
+              </a:rPr>
+              <a:t> </a:t>
+            </a:r>
+            <a:r>
+              <a:rPr lang="en-US" dirty="0" err="1">
+                <a:solidFill>
+                  <a:schemeClr val="tx1"/>
+                </a:solidFill>
+              </a:rPr>
+              <a:t>Exp</a:t>
+            </a:r>
+            <a:r>
+              <a:rPr lang="en-US" dirty="0">
+                <a:solidFill>
+                  <a:schemeClr val="tx1"/>
+                </a:solidFill>
+              </a:rPr>
+              <a:t> Creator</a:t>
+            </a:r>
+            <a:endParaRPr lang="en-US" dirty="0"/>
+          </a:p>
+        </p:txBody>
+      </p:sp>
+      <p:sp>
+        <p:nvSpPr>
+          <p:cNvPr id="13" name="Oval 12">
+            <a:extLst>
+              <a:ext uri="{FF2B5EF4-FFF2-40B4-BE49-F238E27FC236}">
+                <a16:creationId xmlns:a16="http://schemas.microsoft.com/office/drawing/2014/main" id="{502FDC65-7093-B646-BEE1-D8D9B69D1464}"/>
+              </a:ext>
+            </a:extLst>
+          </p:cNvPr>
+          <p:cNvSpPr/>
+          <p:nvPr/>
+        </p:nvSpPr>
+        <p:spPr>
+          <a:xfrm>
+            <a:off x="5507340" y="817369"/>
+            <a:ext cx="1137684" cy="1084520"/>
+          </a:xfrm>
+          <a:prstGeom prst="ellipse">
+            <a:avLst/>
+          </a:prstGeom>
+          <a:solidFill>
+            <a:schemeClr val="accent1">
+              <a:lumMod val="20000"/>
+              <a:lumOff val="80000"/>
+            </a:schemeClr>
+          </a:solidFill>
+        </p:spPr>
+        <p:style>
+          <a:lnRef idx="2">
+            <a:schemeClr val="accent1">
+              <a:shade val="50000"/>
+            </a:schemeClr>
+          </a:lnRef>
+          <a:fillRef idx="1">
+            <a:schemeClr val="accent1"/>
+          </a:fillRef>
+          <a:effectRef idx="0">
+            <a:schemeClr val="accent1"/>
+          </a:effectRef>
+          <a:fontRef idx="minor">
+            <a:schemeClr val="lt1"/>
+          </a:fontRef>
+        </p:style>
+        <p:txBody>
+          <a:bodyPr rtlCol="0" anchor="ctr"/>
+          <a:lstStyle/>
+          <a:p>
+            <a:pPr algn="ctr"/>
+            <a:r>
+              <a:rPr lang="en-US" dirty="0">
+                <a:solidFill>
+                  <a:schemeClr val="tx1"/>
+                </a:solidFill>
+              </a:rPr>
+              <a:t>XML Parser</a:t>
+            </a:r>
+            <a:endParaRPr lang="en-US" dirty="0"/>
+          </a:p>
+        </p:txBody>
+      </p:sp>
+      <p:sp>
+        <p:nvSpPr>
+          <p:cNvPr id="14" name="Oval 13">
+            <a:extLst>
+              <a:ext uri="{FF2B5EF4-FFF2-40B4-BE49-F238E27FC236}">
+                <a16:creationId xmlns:a16="http://schemas.microsoft.com/office/drawing/2014/main" id="{8F85CB0A-F780-E540-A182-A9D866F8EC0F}"/>
+              </a:ext>
+            </a:extLst>
+          </p:cNvPr>
+          <p:cNvSpPr/>
+          <p:nvPr/>
+        </p:nvSpPr>
+        <p:spPr>
+          <a:xfrm>
+            <a:off x="7191554" y="4144442"/>
+            <a:ext cx="1462945" cy="1327616"/>
+          </a:xfrm>
+          <a:prstGeom prst="ellipse">
+            <a:avLst/>
+          </a:prstGeom>
+          <a:solidFill>
+            <a:schemeClr val="accent1">
+              <a:lumMod val="20000"/>
+              <a:lumOff val="80000"/>
+            </a:schemeClr>
+          </a:solidFill>
+        </p:spPr>
+        <p:style>
+          <a:lnRef idx="2">
+            <a:schemeClr val="accent1">
+              <a:shade val="50000"/>
+            </a:schemeClr>
+          </a:lnRef>
+          <a:fillRef idx="1">
+            <a:schemeClr val="accent1"/>
+          </a:fillRef>
+          <a:effectRef idx="0">
+            <a:schemeClr val="accent1"/>
+          </a:effectRef>
+          <a:fontRef idx="minor">
+            <a:schemeClr val="lt1"/>
+          </a:fontRef>
+        </p:style>
+        <p:txBody>
+          <a:bodyPr rtlCol="0" anchor="ctr"/>
+          <a:lstStyle/>
+          <a:p>
+            <a:pPr algn="ctr"/>
+            <a:r>
+              <a:rPr lang="en-US" dirty="0">
+                <a:solidFill>
+                  <a:schemeClr val="tx1"/>
+                </a:solidFill>
+              </a:rPr>
+              <a:t>MAPPER</a:t>
+            </a:r>
+            <a:endParaRPr lang="en-US" dirty="0"/>
+          </a:p>
+        </p:txBody>
+      </p:sp>
+      <p:sp>
+        <p:nvSpPr>
+          <p:cNvPr id="15" name="Oval 14">
+            <a:extLst>
+              <a:ext uri="{FF2B5EF4-FFF2-40B4-BE49-F238E27FC236}">
+                <a16:creationId xmlns:a16="http://schemas.microsoft.com/office/drawing/2014/main" id="{823CCE14-57F3-C541-861C-F99B592AB03D}"/>
+              </a:ext>
+            </a:extLst>
+          </p:cNvPr>
+          <p:cNvSpPr/>
+          <p:nvPr/>
+        </p:nvSpPr>
+        <p:spPr>
+          <a:xfrm>
+            <a:off x="5204707" y="1970897"/>
+            <a:ext cx="1137684" cy="1084520"/>
+          </a:xfrm>
+          <a:prstGeom prst="ellipse">
+            <a:avLst/>
+          </a:prstGeom>
+          <a:solidFill>
+            <a:schemeClr val="accent1">
+              <a:lumMod val="20000"/>
+              <a:lumOff val="80000"/>
+            </a:schemeClr>
+          </a:solidFill>
+        </p:spPr>
+        <p:style>
+          <a:lnRef idx="2">
+            <a:schemeClr val="accent1">
+              <a:shade val="50000"/>
+            </a:schemeClr>
+          </a:lnRef>
+          <a:fillRef idx="1">
+            <a:schemeClr val="accent1"/>
+          </a:fillRef>
+          <a:effectRef idx="0">
+            <a:schemeClr val="accent1"/>
+          </a:effectRef>
+          <a:fontRef idx="minor">
+            <a:schemeClr val="lt1"/>
+          </a:fontRef>
+        </p:style>
+        <p:txBody>
+          <a:bodyPr rtlCol="0" anchor="ctr"/>
+          <a:lstStyle/>
+          <a:p>
+            <a:pPr algn="ctr"/>
+            <a:r>
+              <a:rPr lang="en-US" dirty="0">
+                <a:solidFill>
+                  <a:schemeClr val="tx1"/>
+                </a:solidFill>
+              </a:rPr>
+              <a:t>Constraints</a:t>
+            </a:r>
+            <a:endParaRPr lang="en-US" dirty="0"/>
+          </a:p>
+        </p:txBody>
+      </p:sp>
+      <p:cxnSp>
+        <p:nvCxnSpPr>
+          <p:cNvPr id="17" name="Straight Arrow Connector 16">
+            <a:extLst>
+              <a:ext uri="{FF2B5EF4-FFF2-40B4-BE49-F238E27FC236}">
+                <a16:creationId xmlns:a16="http://schemas.microsoft.com/office/drawing/2014/main" id="{573C976F-CF06-FC44-8D78-9EDB1277BB85}"/>
+              </a:ext>
+            </a:extLst>
+          </p:cNvPr>
+          <p:cNvCxnSpPr>
+            <a:cxnSpLocks/>
+            <a:stCxn id="13" idx="6"/>
+            <a:endCxn id="63" idx="1"/>
+          </p:cNvCxnSpPr>
+          <p:nvPr/>
+        </p:nvCxnSpPr>
+        <p:spPr>
+          <a:xfrm flipV="1">
+            <a:off x="6645024" y="1322050"/>
+            <a:ext cx="411447" cy="37579"/>
+          </a:xfrm>
+          <a:prstGeom prst="straightConnector1">
+            <a:avLst/>
+          </a:prstGeom>
+          <a:ln>
+            <a:tailEnd type="triangle"/>
+          </a:ln>
+        </p:spPr>
+        <p:style>
+          <a:lnRef idx="1">
+            <a:schemeClr val="accent1"/>
+          </a:lnRef>
+          <a:fillRef idx="0">
+            <a:schemeClr val="accent1"/>
+          </a:fillRef>
+          <a:effectRef idx="0">
+            <a:schemeClr val="accent1"/>
+          </a:effectRef>
+          <a:fontRef idx="minor">
+            <a:schemeClr val="tx1"/>
+          </a:fontRef>
+        </p:style>
+      </p:cxnSp>
+      <p:cxnSp>
+        <p:nvCxnSpPr>
+          <p:cNvPr id="18" name="Straight Arrow Connector 17">
+            <a:extLst>
+              <a:ext uri="{FF2B5EF4-FFF2-40B4-BE49-F238E27FC236}">
+                <a16:creationId xmlns:a16="http://schemas.microsoft.com/office/drawing/2014/main" id="{6EF606FA-DB8C-9746-8613-1BC650C7156D}"/>
+              </a:ext>
+            </a:extLst>
+          </p:cNvPr>
+          <p:cNvCxnSpPr>
+            <a:cxnSpLocks/>
+            <a:stCxn id="15" idx="6"/>
+            <a:endCxn id="10" idx="1"/>
+          </p:cNvCxnSpPr>
+          <p:nvPr/>
+        </p:nvCxnSpPr>
+        <p:spPr>
+          <a:xfrm flipV="1">
+            <a:off x="6342391" y="2117562"/>
+            <a:ext cx="714081" cy="395595"/>
+          </a:xfrm>
+          <a:prstGeom prst="straightConnector1">
+            <a:avLst/>
+          </a:prstGeom>
+          <a:ln>
+            <a:tailEnd type="triangle"/>
+          </a:ln>
+        </p:spPr>
+        <p:style>
+          <a:lnRef idx="1">
+            <a:schemeClr val="accent1"/>
+          </a:lnRef>
+          <a:fillRef idx="0">
+            <a:schemeClr val="accent1"/>
+          </a:fillRef>
+          <a:effectRef idx="0">
+            <a:schemeClr val="accent1"/>
+          </a:effectRef>
+          <a:fontRef idx="minor">
+            <a:schemeClr val="tx1"/>
+          </a:fontRef>
+        </p:style>
+      </p:cxnSp>
+      <p:cxnSp>
+        <p:nvCxnSpPr>
+          <p:cNvPr id="21" name="Straight Arrow Connector 20">
+            <a:extLst>
+              <a:ext uri="{FF2B5EF4-FFF2-40B4-BE49-F238E27FC236}">
+                <a16:creationId xmlns:a16="http://schemas.microsoft.com/office/drawing/2014/main" id="{0022075D-BBF9-5E44-B224-98B2060D6136}"/>
+              </a:ext>
+            </a:extLst>
+          </p:cNvPr>
+          <p:cNvCxnSpPr>
+            <a:cxnSpLocks/>
+            <a:stCxn id="8" idx="2"/>
+            <a:endCxn id="15" idx="2"/>
+          </p:cNvCxnSpPr>
+          <p:nvPr/>
+        </p:nvCxnSpPr>
+        <p:spPr>
+          <a:xfrm>
+            <a:off x="4432091" y="1686283"/>
+            <a:ext cx="772616" cy="826874"/>
+          </a:xfrm>
+          <a:prstGeom prst="straightConnector1">
+            <a:avLst/>
+          </a:prstGeom>
+          <a:ln>
+            <a:tailEnd type="triangle"/>
+          </a:ln>
+        </p:spPr>
+        <p:style>
+          <a:lnRef idx="1">
+            <a:schemeClr val="accent1"/>
+          </a:lnRef>
+          <a:fillRef idx="0">
+            <a:schemeClr val="accent1"/>
+          </a:fillRef>
+          <a:effectRef idx="0">
+            <a:schemeClr val="accent1"/>
+          </a:effectRef>
+          <a:fontRef idx="minor">
+            <a:schemeClr val="tx1"/>
+          </a:fontRef>
+        </p:style>
+      </p:cxnSp>
+      <p:cxnSp>
+        <p:nvCxnSpPr>
+          <p:cNvPr id="28" name="Straight Arrow Connector 27">
+            <a:extLst>
+              <a:ext uri="{FF2B5EF4-FFF2-40B4-BE49-F238E27FC236}">
+                <a16:creationId xmlns:a16="http://schemas.microsoft.com/office/drawing/2014/main" id="{29D2840A-F92B-274A-8F60-1EE4451AFF4A}"/>
+              </a:ext>
+            </a:extLst>
+          </p:cNvPr>
+          <p:cNvCxnSpPr>
+            <a:cxnSpLocks/>
+          </p:cNvCxnSpPr>
+          <p:nvPr/>
+        </p:nvCxnSpPr>
+        <p:spPr>
+          <a:xfrm flipV="1">
+            <a:off x="1803994" y="1417715"/>
+            <a:ext cx="421758" cy="1"/>
+          </a:xfrm>
+          <a:prstGeom prst="straightConnector1">
+            <a:avLst/>
+          </a:prstGeom>
+          <a:ln>
+            <a:tailEnd type="triangle"/>
+          </a:ln>
+        </p:spPr>
+        <p:style>
+          <a:lnRef idx="1">
+            <a:schemeClr val="accent1"/>
+          </a:lnRef>
+          <a:fillRef idx="0">
+            <a:schemeClr val="accent1"/>
+          </a:fillRef>
+          <a:effectRef idx="0">
+            <a:schemeClr val="accent1"/>
+          </a:effectRef>
+          <a:fontRef idx="minor">
+            <a:schemeClr val="tx1"/>
+          </a:fontRef>
+        </p:style>
+      </p:cxnSp>
+      <p:cxnSp>
+        <p:nvCxnSpPr>
+          <p:cNvPr id="39" name="Straight Arrow Connector 38">
+            <a:extLst>
+              <a:ext uri="{FF2B5EF4-FFF2-40B4-BE49-F238E27FC236}">
+                <a16:creationId xmlns:a16="http://schemas.microsoft.com/office/drawing/2014/main" id="{3034E0A0-0D3F-2346-A6B9-999213362F26}"/>
+              </a:ext>
+            </a:extLst>
+          </p:cNvPr>
+          <p:cNvCxnSpPr>
+            <a:cxnSpLocks/>
+            <a:stCxn id="10" idx="3"/>
+            <a:endCxn id="12" idx="2"/>
+          </p:cNvCxnSpPr>
+          <p:nvPr/>
+        </p:nvCxnSpPr>
+        <p:spPr>
+          <a:xfrm flipV="1">
+            <a:off x="8653128" y="1642957"/>
+            <a:ext cx="1298945" cy="474605"/>
+          </a:xfrm>
+          <a:prstGeom prst="straightConnector1">
+            <a:avLst/>
+          </a:prstGeom>
+          <a:ln>
+            <a:tailEnd type="triangle"/>
+          </a:ln>
+        </p:spPr>
+        <p:style>
+          <a:lnRef idx="1">
+            <a:schemeClr val="accent1"/>
+          </a:lnRef>
+          <a:fillRef idx="0">
+            <a:schemeClr val="accent1"/>
+          </a:fillRef>
+          <a:effectRef idx="0">
+            <a:schemeClr val="accent1"/>
+          </a:effectRef>
+          <a:fontRef idx="minor">
+            <a:schemeClr val="tx1"/>
+          </a:fontRef>
+        </p:style>
+      </p:cxnSp>
+      <p:cxnSp>
+        <p:nvCxnSpPr>
+          <p:cNvPr id="43" name="Straight Arrow Connector 42">
+            <a:extLst>
+              <a:ext uri="{FF2B5EF4-FFF2-40B4-BE49-F238E27FC236}">
+                <a16:creationId xmlns:a16="http://schemas.microsoft.com/office/drawing/2014/main" id="{D382BF8C-2B07-2D4D-BE71-AE8669F46742}"/>
+              </a:ext>
+            </a:extLst>
+          </p:cNvPr>
+          <p:cNvCxnSpPr>
+            <a:cxnSpLocks/>
+            <a:stCxn id="12" idx="4"/>
+            <a:endCxn id="42" idx="1"/>
+          </p:cNvCxnSpPr>
+          <p:nvPr/>
+        </p:nvCxnSpPr>
+        <p:spPr>
+          <a:xfrm flipH="1">
+            <a:off x="10582429" y="2297042"/>
+            <a:ext cx="19116" cy="215013"/>
+          </a:xfrm>
+          <a:prstGeom prst="straightConnector1">
+            <a:avLst/>
+          </a:prstGeom>
+          <a:ln>
+            <a:tailEnd type="triangle"/>
+          </a:ln>
+        </p:spPr>
+        <p:style>
+          <a:lnRef idx="1">
+            <a:schemeClr val="accent1"/>
+          </a:lnRef>
+          <a:fillRef idx="0">
+            <a:schemeClr val="accent1"/>
+          </a:fillRef>
+          <a:effectRef idx="0">
+            <a:schemeClr val="accent1"/>
+          </a:effectRef>
+          <a:fontRef idx="minor">
+            <a:schemeClr val="tx1"/>
+          </a:fontRef>
+        </p:style>
+      </p:cxnSp>
+      <p:sp>
+        <p:nvSpPr>
+          <p:cNvPr id="47" name="Rounded Rectangle 46">
+            <a:extLst>
+              <a:ext uri="{FF2B5EF4-FFF2-40B4-BE49-F238E27FC236}">
+                <a16:creationId xmlns:a16="http://schemas.microsoft.com/office/drawing/2014/main" id="{ED1F7DFD-D584-CA42-A59F-19D4FC70D363}"/>
+              </a:ext>
+            </a:extLst>
+          </p:cNvPr>
+          <p:cNvSpPr/>
+          <p:nvPr/>
+        </p:nvSpPr>
+        <p:spPr>
+          <a:xfrm>
+            <a:off x="10048272" y="4844975"/>
+            <a:ext cx="1323290" cy="372140"/>
           </a:xfrm>
           <a:prstGeom prst="roundRect">
             <a:avLst/>
           </a:prstGeom>
-          <a:solidFill>
-            <a:schemeClr val="accent6">
-              <a:lumMod val="60000"/>
-              <a:lumOff val="40000"/>
-            </a:schemeClr>
-          </a:solidFill>
           <a:ln/>
         </p:spPr>
         <p:style>
@@ -7265,10 +8472,10 @@
       </p:sp>
       <p:sp>
         <p:nvSpPr>
-          <p:cNvPr id="11" name="Oval 10">
-            <a:extLst>
-              <a:ext uri="{FF2B5EF4-FFF2-40B4-BE49-F238E27FC236}">
-                <a16:creationId xmlns:a16="http://schemas.microsoft.com/office/drawing/2014/main" id="{5D519929-492D-AC49-98AA-C164C1955DE9}"/>
+          <p:cNvPr id="6" name="Rounded Rectangle 5">
+            <a:extLst>
+              <a:ext uri="{FF2B5EF4-FFF2-40B4-BE49-F238E27FC236}">
+                <a16:creationId xmlns:a16="http://schemas.microsoft.com/office/drawing/2014/main" id="{09F3EA3E-4778-0E46-B85B-BB28521105C7}"/>
               </a:ext>
             </a:extLst>
           </p:cNvPr>
@@ -7277,713 +8484,8 @@
         </p:nvSpPr>
         <p:spPr>
           <a:xfrm>
-            <a:off x="2225750" y="875457"/>
-            <a:ext cx="1137684" cy="1084520"/>
-          </a:xfrm>
-          <a:prstGeom prst="ellipse">
-            <a:avLst/>
-          </a:prstGeom>
-          <a:solidFill>
-            <a:schemeClr val="accent1">
-              <a:lumMod val="20000"/>
-              <a:lumOff val="80000"/>
-            </a:schemeClr>
-          </a:solidFill>
-        </p:spPr>
-        <p:style>
-          <a:lnRef idx="2">
-            <a:schemeClr val="accent1">
-              <a:shade val="50000"/>
-            </a:schemeClr>
-          </a:lnRef>
-          <a:fillRef idx="1">
-            <a:schemeClr val="accent1"/>
-          </a:fillRef>
-          <a:effectRef idx="0">
-            <a:schemeClr val="accent1"/>
-          </a:effectRef>
-          <a:fontRef idx="minor">
-            <a:schemeClr val="lt1"/>
-          </a:fontRef>
-        </p:style>
-        <p:txBody>
-          <a:bodyPr rtlCol="0" anchor="ctr"/>
-          <a:lstStyle/>
-          <a:p>
-            <a:pPr algn="ctr"/>
-            <a:r>
-              <a:rPr lang="en-US" dirty="0">
-                <a:solidFill>
-                  <a:schemeClr val="tx1"/>
-                </a:solidFill>
-              </a:rPr>
-              <a:t>NS2 to XML</a:t>
-            </a:r>
-          </a:p>
-        </p:txBody>
-      </p:sp>
-      <p:sp>
-        <p:nvSpPr>
-          <p:cNvPr id="12" name="Oval 11">
-            <a:extLst>
-              <a:ext uri="{FF2B5EF4-FFF2-40B4-BE49-F238E27FC236}">
-                <a16:creationId xmlns:a16="http://schemas.microsoft.com/office/drawing/2014/main" id="{BBD52372-D269-6142-A762-4E488E34EF92}"/>
-              </a:ext>
-            </a:extLst>
-          </p:cNvPr>
-          <p:cNvSpPr/>
-          <p:nvPr/>
-        </p:nvSpPr>
-        <p:spPr>
-          <a:xfrm>
-            <a:off x="9952073" y="988872"/>
-            <a:ext cx="1298944" cy="1308170"/>
-          </a:xfrm>
-          <a:prstGeom prst="ellipse">
-            <a:avLst/>
-          </a:prstGeom>
-          <a:solidFill>
-            <a:schemeClr val="accent1">
-              <a:lumMod val="20000"/>
-              <a:lumOff val="80000"/>
-            </a:schemeClr>
-          </a:solidFill>
-        </p:spPr>
-        <p:style>
-          <a:lnRef idx="2">
-            <a:schemeClr val="accent1">
-              <a:shade val="50000"/>
-            </a:schemeClr>
-          </a:lnRef>
-          <a:fillRef idx="1">
-            <a:schemeClr val="accent1"/>
-          </a:fillRef>
-          <a:effectRef idx="0">
-            <a:schemeClr val="accent1"/>
-          </a:effectRef>
-          <a:fontRef idx="minor">
-            <a:schemeClr val="lt1"/>
-          </a:fontRef>
-        </p:style>
-        <p:txBody>
-          <a:bodyPr rtlCol="0" anchor="ctr"/>
-          <a:lstStyle/>
-          <a:p>
-            <a:pPr algn="ctr"/>
-            <a:r>
-              <a:rPr lang="en-US" dirty="0" err="1">
-                <a:solidFill>
-                  <a:schemeClr val="tx1"/>
-                </a:solidFill>
-              </a:rPr>
-              <a:t>Virt</a:t>
-            </a:r>
-            <a:r>
-              <a:rPr lang="en-US" dirty="0">
-                <a:solidFill>
-                  <a:schemeClr val="tx1"/>
-                </a:solidFill>
-              </a:rPr>
-              <a:t> </a:t>
-            </a:r>
-            <a:r>
-              <a:rPr lang="en-US" dirty="0" err="1">
-                <a:solidFill>
-                  <a:schemeClr val="tx1"/>
-                </a:solidFill>
-              </a:rPr>
-              <a:t>Exp</a:t>
-            </a:r>
-            <a:r>
-              <a:rPr lang="en-US" dirty="0">
-                <a:solidFill>
-                  <a:schemeClr val="tx1"/>
-                </a:solidFill>
-              </a:rPr>
-              <a:t> Creator</a:t>
-            </a:r>
-            <a:endParaRPr lang="en-US" dirty="0"/>
-          </a:p>
-        </p:txBody>
-      </p:sp>
-      <p:sp>
-        <p:nvSpPr>
-          <p:cNvPr id="13" name="Oval 12">
-            <a:extLst>
-              <a:ext uri="{FF2B5EF4-FFF2-40B4-BE49-F238E27FC236}">
-                <a16:creationId xmlns:a16="http://schemas.microsoft.com/office/drawing/2014/main" id="{502FDC65-7093-B646-BEE1-D8D9B69D1464}"/>
-              </a:ext>
-            </a:extLst>
-          </p:cNvPr>
-          <p:cNvSpPr/>
-          <p:nvPr/>
-        </p:nvSpPr>
-        <p:spPr>
-          <a:xfrm>
-            <a:off x="5527158" y="838266"/>
-            <a:ext cx="1137684" cy="1084520"/>
-          </a:xfrm>
-          <a:prstGeom prst="ellipse">
-            <a:avLst/>
-          </a:prstGeom>
-          <a:solidFill>
-            <a:schemeClr val="accent1">
-              <a:lumMod val="20000"/>
-              <a:lumOff val="80000"/>
-            </a:schemeClr>
-          </a:solidFill>
-        </p:spPr>
-        <p:style>
-          <a:lnRef idx="2">
-            <a:schemeClr val="accent1">
-              <a:shade val="50000"/>
-            </a:schemeClr>
-          </a:lnRef>
-          <a:fillRef idx="1">
-            <a:schemeClr val="accent1"/>
-          </a:fillRef>
-          <a:effectRef idx="0">
-            <a:schemeClr val="accent1"/>
-          </a:effectRef>
-          <a:fontRef idx="minor">
-            <a:schemeClr val="lt1"/>
-          </a:fontRef>
-        </p:style>
-        <p:txBody>
-          <a:bodyPr rtlCol="0" anchor="ctr"/>
-          <a:lstStyle/>
-          <a:p>
-            <a:pPr algn="ctr"/>
-            <a:r>
-              <a:rPr lang="en-US" dirty="0">
-                <a:solidFill>
-                  <a:schemeClr val="tx1"/>
-                </a:solidFill>
-              </a:rPr>
-              <a:t>XML Parser</a:t>
-            </a:r>
-            <a:endParaRPr lang="en-US" dirty="0"/>
-          </a:p>
-        </p:txBody>
-      </p:sp>
-      <p:sp>
-        <p:nvSpPr>
-          <p:cNvPr id="14" name="Oval 13">
-            <a:extLst>
-              <a:ext uri="{FF2B5EF4-FFF2-40B4-BE49-F238E27FC236}">
-                <a16:creationId xmlns:a16="http://schemas.microsoft.com/office/drawing/2014/main" id="{8F85CB0A-F780-E540-A182-A9D866F8EC0F}"/>
-              </a:ext>
-            </a:extLst>
-          </p:cNvPr>
-          <p:cNvSpPr/>
-          <p:nvPr/>
-        </p:nvSpPr>
-        <p:spPr>
-          <a:xfrm>
-            <a:off x="7191554" y="4144442"/>
-            <a:ext cx="1462945" cy="1327616"/>
-          </a:xfrm>
-          <a:prstGeom prst="ellipse">
-            <a:avLst/>
-          </a:prstGeom>
-          <a:solidFill>
-            <a:schemeClr val="accent1">
-              <a:lumMod val="20000"/>
-              <a:lumOff val="80000"/>
-            </a:schemeClr>
-          </a:solidFill>
-        </p:spPr>
-        <p:style>
-          <a:lnRef idx="2">
-            <a:schemeClr val="accent1">
-              <a:shade val="50000"/>
-            </a:schemeClr>
-          </a:lnRef>
-          <a:fillRef idx="1">
-            <a:schemeClr val="accent1"/>
-          </a:fillRef>
-          <a:effectRef idx="0">
-            <a:schemeClr val="accent1"/>
-          </a:effectRef>
-          <a:fontRef idx="minor">
-            <a:schemeClr val="lt1"/>
-          </a:fontRef>
-        </p:style>
-        <p:txBody>
-          <a:bodyPr rtlCol="0" anchor="ctr"/>
-          <a:lstStyle/>
-          <a:p>
-            <a:pPr algn="ctr"/>
-            <a:r>
-              <a:rPr lang="en-US" dirty="0">
-                <a:solidFill>
-                  <a:schemeClr val="tx1"/>
-                </a:solidFill>
-              </a:rPr>
-              <a:t>MAPPER</a:t>
-            </a:r>
-            <a:endParaRPr lang="en-US" dirty="0"/>
-          </a:p>
-        </p:txBody>
-      </p:sp>
-      <p:sp>
-        <p:nvSpPr>
-          <p:cNvPr id="15" name="Oval 14">
-            <a:extLst>
-              <a:ext uri="{FF2B5EF4-FFF2-40B4-BE49-F238E27FC236}">
-                <a16:creationId xmlns:a16="http://schemas.microsoft.com/office/drawing/2014/main" id="{823CCE14-57F3-C541-861C-F99B592AB03D}"/>
-              </a:ext>
-            </a:extLst>
-          </p:cNvPr>
-          <p:cNvSpPr/>
-          <p:nvPr/>
-        </p:nvSpPr>
-        <p:spPr>
-          <a:xfrm>
-            <a:off x="5527158" y="1969795"/>
-            <a:ext cx="1137684" cy="1084520"/>
-          </a:xfrm>
-          <a:prstGeom prst="ellipse">
-            <a:avLst/>
-          </a:prstGeom>
-          <a:solidFill>
-            <a:schemeClr val="accent1">
-              <a:lumMod val="20000"/>
-              <a:lumOff val="80000"/>
-            </a:schemeClr>
-          </a:solidFill>
-        </p:spPr>
-        <p:style>
-          <a:lnRef idx="2">
-            <a:schemeClr val="accent1">
-              <a:shade val="50000"/>
-            </a:schemeClr>
-          </a:lnRef>
-          <a:fillRef idx="1">
-            <a:schemeClr val="accent1"/>
-          </a:fillRef>
-          <a:effectRef idx="0">
-            <a:schemeClr val="accent1"/>
-          </a:effectRef>
-          <a:fontRef idx="minor">
-            <a:schemeClr val="lt1"/>
-          </a:fontRef>
-        </p:style>
-        <p:txBody>
-          <a:bodyPr rtlCol="0" anchor="ctr"/>
-          <a:lstStyle/>
-          <a:p>
-            <a:pPr algn="ctr"/>
-            <a:r>
-              <a:rPr lang="en-US" dirty="0">
-                <a:solidFill>
-                  <a:schemeClr val="tx1"/>
-                </a:solidFill>
-              </a:rPr>
-              <a:t>Constraints</a:t>
-            </a:r>
-            <a:endParaRPr lang="en-US" dirty="0"/>
-          </a:p>
-        </p:txBody>
-      </p:sp>
-      <p:cxnSp>
-        <p:nvCxnSpPr>
-          <p:cNvPr id="17" name="Straight Arrow Connector 16">
-            <a:extLst>
-              <a:ext uri="{FF2B5EF4-FFF2-40B4-BE49-F238E27FC236}">
-                <a16:creationId xmlns:a16="http://schemas.microsoft.com/office/drawing/2014/main" id="{573C976F-CF06-FC44-8D78-9EDB1277BB85}"/>
-              </a:ext>
-            </a:extLst>
-          </p:cNvPr>
-          <p:cNvCxnSpPr>
-            <a:stCxn id="13" idx="6"/>
-            <a:endCxn id="8" idx="1"/>
-          </p:cNvCxnSpPr>
-          <p:nvPr/>
-        </p:nvCxnSpPr>
-        <p:spPr>
-          <a:xfrm flipV="1">
-            <a:off x="6664842" y="1325610"/>
-            <a:ext cx="995914" cy="54916"/>
-          </a:xfrm>
-          <a:prstGeom prst="straightConnector1">
-            <a:avLst/>
-          </a:prstGeom>
-          <a:ln>
-            <a:tailEnd type="triangle"/>
-          </a:ln>
-        </p:spPr>
-        <p:style>
-          <a:lnRef idx="1">
-            <a:schemeClr val="accent1"/>
-          </a:lnRef>
-          <a:fillRef idx="0">
-            <a:schemeClr val="accent1"/>
-          </a:fillRef>
-          <a:effectRef idx="0">
-            <a:schemeClr val="accent1"/>
-          </a:effectRef>
-          <a:fontRef idx="minor">
-            <a:schemeClr val="tx1"/>
-          </a:fontRef>
-        </p:style>
-      </p:cxnSp>
-      <p:cxnSp>
-        <p:nvCxnSpPr>
-          <p:cNvPr id="18" name="Straight Arrow Connector 17">
-            <a:extLst>
-              <a:ext uri="{FF2B5EF4-FFF2-40B4-BE49-F238E27FC236}">
-                <a16:creationId xmlns:a16="http://schemas.microsoft.com/office/drawing/2014/main" id="{6EF606FA-DB8C-9746-8613-1BC650C7156D}"/>
-              </a:ext>
-            </a:extLst>
-          </p:cNvPr>
-          <p:cNvCxnSpPr>
-            <a:cxnSpLocks/>
-            <a:stCxn id="15" idx="6"/>
-            <a:endCxn id="10" idx="1"/>
-          </p:cNvCxnSpPr>
-          <p:nvPr/>
-        </p:nvCxnSpPr>
-        <p:spPr>
-          <a:xfrm flipV="1">
-            <a:off x="6664842" y="2139916"/>
-            <a:ext cx="1026040" cy="372139"/>
-          </a:xfrm>
-          <a:prstGeom prst="straightConnector1">
-            <a:avLst/>
-          </a:prstGeom>
-          <a:ln>
-            <a:tailEnd type="triangle"/>
-          </a:ln>
-        </p:spPr>
-        <p:style>
-          <a:lnRef idx="1">
-            <a:schemeClr val="accent1"/>
-          </a:lnRef>
-          <a:fillRef idx="0">
-            <a:schemeClr val="accent1"/>
-          </a:fillRef>
-          <a:effectRef idx="0">
-            <a:schemeClr val="accent1"/>
-          </a:effectRef>
-          <a:fontRef idx="minor">
-            <a:schemeClr val="tx1"/>
-          </a:fontRef>
-        </p:style>
-      </p:cxnSp>
-      <p:cxnSp>
-        <p:nvCxnSpPr>
-          <p:cNvPr id="21" name="Straight Arrow Connector 20">
-            <a:extLst>
-              <a:ext uri="{FF2B5EF4-FFF2-40B4-BE49-F238E27FC236}">
-                <a16:creationId xmlns:a16="http://schemas.microsoft.com/office/drawing/2014/main" id="{0022075D-BBF9-5E44-B224-98B2060D6136}"/>
-              </a:ext>
-            </a:extLst>
-          </p:cNvPr>
-          <p:cNvCxnSpPr>
-            <a:cxnSpLocks/>
-            <a:stCxn id="5" idx="3"/>
-            <a:endCxn id="15" idx="2"/>
-          </p:cNvCxnSpPr>
-          <p:nvPr/>
-        </p:nvCxnSpPr>
-        <p:spPr>
-          <a:xfrm>
-            <a:off x="5043378" y="1361012"/>
-            <a:ext cx="483780" cy="1151043"/>
-          </a:xfrm>
-          <a:prstGeom prst="straightConnector1">
-            <a:avLst/>
-          </a:prstGeom>
-          <a:ln>
-            <a:tailEnd type="triangle"/>
-          </a:ln>
-        </p:spPr>
-        <p:style>
-          <a:lnRef idx="1">
-            <a:schemeClr val="accent1"/>
-          </a:lnRef>
-          <a:fillRef idx="0">
-            <a:schemeClr val="accent1"/>
-          </a:fillRef>
-          <a:effectRef idx="0">
-            <a:schemeClr val="accent1"/>
-          </a:effectRef>
-          <a:fontRef idx="minor">
-            <a:schemeClr val="tx1"/>
-          </a:fontRef>
-        </p:style>
-      </p:cxnSp>
-      <p:cxnSp>
-        <p:nvCxnSpPr>
-          <p:cNvPr id="24" name="Straight Arrow Connector 23">
-            <a:extLst>
-              <a:ext uri="{FF2B5EF4-FFF2-40B4-BE49-F238E27FC236}">
-                <a16:creationId xmlns:a16="http://schemas.microsoft.com/office/drawing/2014/main" id="{CDE1EDE8-A020-6A42-B33A-A7AD054AED1B}"/>
-              </a:ext>
-            </a:extLst>
-          </p:cNvPr>
-          <p:cNvCxnSpPr>
-            <a:cxnSpLocks/>
-            <a:stCxn id="5" idx="3"/>
-            <a:endCxn id="13" idx="2"/>
-          </p:cNvCxnSpPr>
-          <p:nvPr/>
-        </p:nvCxnSpPr>
-        <p:spPr>
-          <a:xfrm>
-            <a:off x="5043378" y="1361012"/>
-            <a:ext cx="483780" cy="19514"/>
-          </a:xfrm>
-          <a:prstGeom prst="straightConnector1">
-            <a:avLst/>
-          </a:prstGeom>
-          <a:ln>
-            <a:tailEnd type="triangle"/>
-          </a:ln>
-        </p:spPr>
-        <p:style>
-          <a:lnRef idx="1">
-            <a:schemeClr val="accent1"/>
-          </a:lnRef>
-          <a:fillRef idx="0">
-            <a:schemeClr val="accent1"/>
-          </a:fillRef>
-          <a:effectRef idx="0">
-            <a:schemeClr val="accent1"/>
-          </a:effectRef>
-          <a:fontRef idx="minor">
-            <a:schemeClr val="tx1"/>
-          </a:fontRef>
-        </p:style>
-      </p:cxnSp>
-      <p:cxnSp>
-        <p:nvCxnSpPr>
-          <p:cNvPr id="27" name="Straight Arrow Connector 26">
-            <a:extLst>
-              <a:ext uri="{FF2B5EF4-FFF2-40B4-BE49-F238E27FC236}">
-                <a16:creationId xmlns:a16="http://schemas.microsoft.com/office/drawing/2014/main" id="{F2219287-8E15-0F4E-B160-8B43325DD3C1}"/>
-              </a:ext>
-            </a:extLst>
-          </p:cNvPr>
-          <p:cNvCxnSpPr>
-            <a:cxnSpLocks/>
-          </p:cNvCxnSpPr>
-          <p:nvPr/>
-        </p:nvCxnSpPr>
-        <p:spPr>
-          <a:xfrm flipV="1">
-            <a:off x="3363434" y="1417716"/>
-            <a:ext cx="421758" cy="1"/>
-          </a:xfrm>
-          <a:prstGeom prst="straightConnector1">
-            <a:avLst/>
-          </a:prstGeom>
-          <a:ln>
-            <a:tailEnd type="triangle"/>
-          </a:ln>
-        </p:spPr>
-        <p:style>
-          <a:lnRef idx="1">
-            <a:schemeClr val="accent1"/>
-          </a:lnRef>
-          <a:fillRef idx="0">
-            <a:schemeClr val="accent1"/>
-          </a:fillRef>
-          <a:effectRef idx="0">
-            <a:schemeClr val="accent1"/>
-          </a:effectRef>
-          <a:fontRef idx="minor">
-            <a:schemeClr val="tx1"/>
-          </a:fontRef>
-        </p:style>
-      </p:cxnSp>
-      <p:cxnSp>
-        <p:nvCxnSpPr>
-          <p:cNvPr id="28" name="Straight Arrow Connector 27">
-            <a:extLst>
-              <a:ext uri="{FF2B5EF4-FFF2-40B4-BE49-F238E27FC236}">
-                <a16:creationId xmlns:a16="http://schemas.microsoft.com/office/drawing/2014/main" id="{29D2840A-F92B-274A-8F60-1EE4451AFF4A}"/>
-              </a:ext>
-            </a:extLst>
-          </p:cNvPr>
-          <p:cNvCxnSpPr>
-            <a:cxnSpLocks/>
-          </p:cNvCxnSpPr>
-          <p:nvPr/>
-        </p:nvCxnSpPr>
-        <p:spPr>
-          <a:xfrm flipV="1">
-            <a:off x="1803994" y="1417715"/>
-            <a:ext cx="421758" cy="1"/>
-          </a:xfrm>
-          <a:prstGeom prst="straightConnector1">
-            <a:avLst/>
-          </a:prstGeom>
-          <a:ln>
-            <a:tailEnd type="triangle"/>
-          </a:ln>
-        </p:spPr>
-        <p:style>
-          <a:lnRef idx="1">
-            <a:schemeClr val="accent1"/>
-          </a:lnRef>
-          <a:fillRef idx="0">
-            <a:schemeClr val="accent1"/>
-          </a:fillRef>
-          <a:effectRef idx="0">
-            <a:schemeClr val="accent1"/>
-          </a:effectRef>
-          <a:fontRef idx="minor">
-            <a:schemeClr val="tx1"/>
-          </a:fontRef>
-        </p:style>
-      </p:cxnSp>
-      <p:cxnSp>
-        <p:nvCxnSpPr>
-          <p:cNvPr id="36" name="Straight Arrow Connector 35">
-            <a:extLst>
-              <a:ext uri="{FF2B5EF4-FFF2-40B4-BE49-F238E27FC236}">
-                <a16:creationId xmlns:a16="http://schemas.microsoft.com/office/drawing/2014/main" id="{F4E2B0CE-E032-C440-B484-307B3C8F44CF}"/>
-              </a:ext>
-            </a:extLst>
-          </p:cNvPr>
-          <p:cNvCxnSpPr>
-            <a:cxnSpLocks/>
-            <a:stCxn id="8" idx="3"/>
-            <a:endCxn id="12" idx="2"/>
-          </p:cNvCxnSpPr>
-          <p:nvPr/>
-        </p:nvCxnSpPr>
-        <p:spPr>
-          <a:xfrm>
-            <a:off x="9113873" y="1325610"/>
-            <a:ext cx="838200" cy="317347"/>
-          </a:xfrm>
-          <a:prstGeom prst="straightConnector1">
-            <a:avLst/>
-          </a:prstGeom>
-          <a:ln>
-            <a:tailEnd type="triangle"/>
-          </a:ln>
-        </p:spPr>
-        <p:style>
-          <a:lnRef idx="1">
-            <a:schemeClr val="accent1"/>
-          </a:lnRef>
-          <a:fillRef idx="0">
-            <a:schemeClr val="accent1"/>
-          </a:fillRef>
-          <a:effectRef idx="0">
-            <a:schemeClr val="accent1"/>
-          </a:effectRef>
-          <a:fontRef idx="minor">
-            <a:schemeClr val="tx1"/>
-          </a:fontRef>
-        </p:style>
-      </p:cxnSp>
-      <p:cxnSp>
-        <p:nvCxnSpPr>
-          <p:cNvPr id="39" name="Straight Arrow Connector 38">
-            <a:extLst>
-              <a:ext uri="{FF2B5EF4-FFF2-40B4-BE49-F238E27FC236}">
-                <a16:creationId xmlns:a16="http://schemas.microsoft.com/office/drawing/2014/main" id="{3034E0A0-0D3F-2346-A6B9-999213362F26}"/>
-              </a:ext>
-            </a:extLst>
-          </p:cNvPr>
-          <p:cNvCxnSpPr>
-            <a:cxnSpLocks/>
-            <a:stCxn id="10" idx="3"/>
-            <a:endCxn id="12" idx="2"/>
-          </p:cNvCxnSpPr>
-          <p:nvPr/>
-        </p:nvCxnSpPr>
-        <p:spPr>
-          <a:xfrm flipV="1">
-            <a:off x="9143998" y="1642957"/>
-            <a:ext cx="808075" cy="496959"/>
-          </a:xfrm>
-          <a:prstGeom prst="straightConnector1">
-            <a:avLst/>
-          </a:prstGeom>
-          <a:ln>
-            <a:tailEnd type="triangle"/>
-          </a:ln>
-        </p:spPr>
-        <p:style>
-          <a:lnRef idx="1">
-            <a:schemeClr val="accent1"/>
-          </a:lnRef>
-          <a:fillRef idx="0">
-            <a:schemeClr val="accent1"/>
-          </a:fillRef>
-          <a:effectRef idx="0">
-            <a:schemeClr val="accent1"/>
-          </a:effectRef>
-          <a:fontRef idx="minor">
-            <a:schemeClr val="tx1"/>
-          </a:fontRef>
-        </p:style>
-      </p:cxnSp>
-      <p:cxnSp>
-        <p:nvCxnSpPr>
-          <p:cNvPr id="43" name="Straight Arrow Connector 42">
-            <a:extLst>
-              <a:ext uri="{FF2B5EF4-FFF2-40B4-BE49-F238E27FC236}">
-                <a16:creationId xmlns:a16="http://schemas.microsoft.com/office/drawing/2014/main" id="{D382BF8C-2B07-2D4D-BE71-AE8669F46742}"/>
-              </a:ext>
-            </a:extLst>
-          </p:cNvPr>
-          <p:cNvCxnSpPr>
-            <a:cxnSpLocks/>
-            <a:stCxn id="12" idx="4"/>
-            <a:endCxn id="42" idx="1"/>
-          </p:cNvCxnSpPr>
-          <p:nvPr/>
-        </p:nvCxnSpPr>
-        <p:spPr>
-          <a:xfrm flipH="1">
-            <a:off x="10582429" y="2297042"/>
-            <a:ext cx="19116" cy="215013"/>
-          </a:xfrm>
-          <a:prstGeom prst="straightConnector1">
-            <a:avLst/>
-          </a:prstGeom>
-          <a:ln>
-            <a:tailEnd type="triangle"/>
-          </a:ln>
-        </p:spPr>
-        <p:style>
-          <a:lnRef idx="1">
-            <a:schemeClr val="accent1"/>
-          </a:lnRef>
-          <a:fillRef idx="0">
-            <a:schemeClr val="accent1"/>
-          </a:fillRef>
-          <a:effectRef idx="0">
-            <a:schemeClr val="accent1"/>
-          </a:effectRef>
-          <a:fontRef idx="minor">
-            <a:schemeClr val="tx1"/>
-          </a:fontRef>
-        </p:style>
-      </p:cxnSp>
-      <p:sp>
-        <p:nvSpPr>
-          <p:cNvPr id="47" name="Rounded Rectangle 46">
-            <a:extLst>
-              <a:ext uri="{FF2B5EF4-FFF2-40B4-BE49-F238E27FC236}">
-                <a16:creationId xmlns:a16="http://schemas.microsoft.com/office/drawing/2014/main" id="{ED1F7DFD-D584-CA42-A59F-19D4FC70D363}"/>
-              </a:ext>
-            </a:extLst>
-          </p:cNvPr>
-          <p:cNvSpPr/>
-          <p:nvPr/>
-        </p:nvSpPr>
-        <p:spPr>
-          <a:xfrm>
-            <a:off x="10048272" y="4844975"/>
-            <a:ext cx="1323290" cy="372140"/>
+            <a:off x="9726740" y="3226227"/>
+            <a:ext cx="1730493" cy="1168182"/>
           </a:xfrm>
           <a:prstGeom prst="roundRect">
             <a:avLst/>
@@ -8010,19 +8512,22 @@
           <a:p>
             <a:pPr algn="ctr"/>
             <a:r>
-              <a:rPr lang="en-US" dirty="0" err="1"/>
-              <a:t>Parse.input</a:t>
-            </a:r>
-            <a:endParaRPr lang="en-US" dirty="0"/>
-          </a:p>
-        </p:txBody>
-      </p:sp>
-      <p:sp>
-        <p:nvSpPr>
-          <p:cNvPr id="6" name="Rounded Rectangle 5">
-            <a:extLst>
-              <a:ext uri="{FF2B5EF4-FFF2-40B4-BE49-F238E27FC236}">
-                <a16:creationId xmlns:a16="http://schemas.microsoft.com/office/drawing/2014/main" id="{09F3EA3E-4778-0E46-B85B-BB28521105C7}"/>
+              <a:rPr lang="en-US" b="1" dirty="0"/>
+              <a:t>EIR</a:t>
+            </a:r>
+            <a:r>
+              <a:rPr lang="en-US" dirty="0"/>
+              <a:t> = Experiment Internal Representation</a:t>
+            </a:r>
+          </a:p>
+        </p:txBody>
+      </p:sp>
+      <p:sp>
+        <p:nvSpPr>
+          <p:cNvPr id="50" name="Oval 49">
+            <a:extLst>
+              <a:ext uri="{FF2B5EF4-FFF2-40B4-BE49-F238E27FC236}">
+                <a16:creationId xmlns:a16="http://schemas.microsoft.com/office/drawing/2014/main" id="{A1BD5CD4-C842-C944-866C-7795FA532FED}"/>
               </a:ext>
             </a:extLst>
           </p:cNvPr>
@@ -8031,12 +8536,585 @@
         </p:nvSpPr>
         <p:spPr>
           <a:xfrm>
-            <a:off x="9726740" y="3226227"/>
-            <a:ext cx="1730493" cy="1168182"/>
+            <a:off x="4675030" y="4082183"/>
+            <a:ext cx="1785051" cy="1460207"/>
+          </a:xfrm>
+          <a:prstGeom prst="ellipse">
+            <a:avLst/>
+          </a:prstGeom>
+          <a:solidFill>
+            <a:schemeClr val="accent1">
+              <a:lumMod val="20000"/>
+              <a:lumOff val="80000"/>
+            </a:schemeClr>
+          </a:solidFill>
+        </p:spPr>
+        <p:style>
+          <a:lnRef idx="2">
+            <a:schemeClr val="accent1">
+              <a:shade val="50000"/>
+            </a:schemeClr>
+          </a:lnRef>
+          <a:fillRef idx="1">
+            <a:schemeClr val="accent1"/>
+          </a:fillRef>
+          <a:effectRef idx="0">
+            <a:schemeClr val="accent1"/>
+          </a:effectRef>
+          <a:fontRef idx="minor">
+            <a:schemeClr val="lt1"/>
+          </a:fontRef>
+        </p:style>
+        <p:txBody>
+          <a:bodyPr rtlCol="0" anchor="ctr"/>
+          <a:lstStyle/>
+          <a:p>
+            <a:pPr algn="ctr"/>
+            <a:r>
+              <a:rPr lang="en-US" dirty="0">
+                <a:solidFill>
+                  <a:schemeClr val="tx1"/>
+                </a:solidFill>
+              </a:rPr>
+              <a:t>ASSIGNER</a:t>
+            </a:r>
+            <a:endParaRPr lang="en-US" dirty="0"/>
+          </a:p>
+        </p:txBody>
+      </p:sp>
+      <p:cxnSp>
+        <p:nvCxnSpPr>
+          <p:cNvPr id="51" name="Straight Arrow Connector 50">
+            <a:extLst>
+              <a:ext uri="{FF2B5EF4-FFF2-40B4-BE49-F238E27FC236}">
+                <a16:creationId xmlns:a16="http://schemas.microsoft.com/office/drawing/2014/main" id="{1FC2C511-8500-F04E-BAF3-5BA7DB9836C5}"/>
+              </a:ext>
+            </a:extLst>
+          </p:cNvPr>
+          <p:cNvCxnSpPr>
+            <a:cxnSpLocks/>
+            <a:stCxn id="50" idx="2"/>
+          </p:cNvCxnSpPr>
+          <p:nvPr/>
+        </p:nvCxnSpPr>
+        <p:spPr>
+          <a:xfrm flipH="1">
+            <a:off x="3294481" y="4812287"/>
+            <a:ext cx="1380549" cy="0"/>
+          </a:xfrm>
+          <a:prstGeom prst="straightConnector1">
+            <a:avLst/>
+          </a:prstGeom>
+          <a:ln>
+            <a:tailEnd type="triangle"/>
+          </a:ln>
+        </p:spPr>
+        <p:style>
+          <a:lnRef idx="1">
+            <a:schemeClr val="accent1"/>
+          </a:lnRef>
+          <a:fillRef idx="0">
+            <a:schemeClr val="accent1"/>
+          </a:fillRef>
+          <a:effectRef idx="0">
+            <a:schemeClr val="accent1"/>
+          </a:effectRef>
+          <a:fontRef idx="minor">
+            <a:schemeClr val="tx1"/>
+          </a:fontRef>
+        </p:style>
+      </p:cxnSp>
+      <p:cxnSp>
+        <p:nvCxnSpPr>
+          <p:cNvPr id="52" name="Straight Arrow Connector 51">
+            <a:extLst>
+              <a:ext uri="{FF2B5EF4-FFF2-40B4-BE49-F238E27FC236}">
+                <a16:creationId xmlns:a16="http://schemas.microsoft.com/office/drawing/2014/main" id="{BC36CFD8-340E-7742-93D5-8010AE3D25CC}"/>
+              </a:ext>
+            </a:extLst>
+          </p:cNvPr>
+          <p:cNvCxnSpPr>
+            <a:cxnSpLocks/>
+            <a:stCxn id="14" idx="2"/>
+            <a:endCxn id="50" idx="6"/>
+          </p:cNvCxnSpPr>
+          <p:nvPr/>
+        </p:nvCxnSpPr>
+        <p:spPr>
+          <a:xfrm flipH="1">
+            <a:off x="6460081" y="4808250"/>
+            <a:ext cx="731473" cy="4037"/>
+          </a:xfrm>
+          <a:prstGeom prst="straightConnector1">
+            <a:avLst/>
+          </a:prstGeom>
+          <a:ln>
+            <a:tailEnd type="triangle"/>
+          </a:ln>
+        </p:spPr>
+        <p:style>
+          <a:lnRef idx="1">
+            <a:schemeClr val="accent1"/>
+          </a:lnRef>
+          <a:fillRef idx="0">
+            <a:schemeClr val="accent1"/>
+          </a:fillRef>
+          <a:effectRef idx="0">
+            <a:schemeClr val="accent1"/>
+          </a:effectRef>
+          <a:fontRef idx="minor">
+            <a:schemeClr val="tx1"/>
+          </a:fontRef>
+        </p:style>
+      </p:cxnSp>
+      <p:cxnSp>
+        <p:nvCxnSpPr>
+          <p:cNvPr id="53" name="Straight Arrow Connector 52">
+            <a:extLst>
+              <a:ext uri="{FF2B5EF4-FFF2-40B4-BE49-F238E27FC236}">
+                <a16:creationId xmlns:a16="http://schemas.microsoft.com/office/drawing/2014/main" id="{68FE6E3A-E7AA-FF41-B16F-2FD1BB5F80D1}"/>
+              </a:ext>
+            </a:extLst>
+          </p:cNvPr>
+          <p:cNvCxnSpPr>
+            <a:cxnSpLocks/>
+            <a:stCxn id="9" idx="1"/>
+            <a:endCxn id="14" idx="6"/>
+          </p:cNvCxnSpPr>
+          <p:nvPr/>
+        </p:nvCxnSpPr>
+        <p:spPr>
+          <a:xfrm flipH="1" flipV="1">
+            <a:off x="8654499" y="4808250"/>
+            <a:ext cx="1412148" cy="856074"/>
+          </a:xfrm>
+          <a:prstGeom prst="straightConnector1">
+            <a:avLst/>
+          </a:prstGeom>
+          <a:ln>
+            <a:tailEnd type="triangle"/>
+          </a:ln>
+        </p:spPr>
+        <p:style>
+          <a:lnRef idx="1">
+            <a:schemeClr val="accent1"/>
+          </a:lnRef>
+          <a:fillRef idx="0">
+            <a:schemeClr val="accent1"/>
+          </a:fillRef>
+          <a:effectRef idx="0">
+            <a:schemeClr val="accent1"/>
+          </a:effectRef>
+          <a:fontRef idx="minor">
+            <a:schemeClr val="tx1"/>
+          </a:fontRef>
+        </p:style>
+      </p:cxnSp>
+      <p:cxnSp>
+        <p:nvCxnSpPr>
+          <p:cNvPr id="65" name="Straight Arrow Connector 64">
+            <a:extLst>
+              <a:ext uri="{FF2B5EF4-FFF2-40B4-BE49-F238E27FC236}">
+                <a16:creationId xmlns:a16="http://schemas.microsoft.com/office/drawing/2014/main" id="{640D7C33-CCCB-A843-AAF6-43F7BC2FE276}"/>
+              </a:ext>
+            </a:extLst>
+          </p:cNvPr>
+          <p:cNvCxnSpPr>
+            <a:cxnSpLocks/>
+            <a:stCxn id="6" idx="1"/>
+            <a:endCxn id="14" idx="6"/>
+          </p:cNvCxnSpPr>
+          <p:nvPr/>
+        </p:nvCxnSpPr>
+        <p:spPr>
+          <a:xfrm flipH="1">
+            <a:off x="8654499" y="3810318"/>
+            <a:ext cx="1072241" cy="997932"/>
+          </a:xfrm>
+          <a:prstGeom prst="straightConnector1">
+            <a:avLst/>
+          </a:prstGeom>
+          <a:ln>
+            <a:tailEnd type="triangle"/>
+          </a:ln>
+        </p:spPr>
+        <p:style>
+          <a:lnRef idx="1">
+            <a:schemeClr val="accent1"/>
+          </a:lnRef>
+          <a:fillRef idx="0">
+            <a:schemeClr val="accent1"/>
+          </a:fillRef>
+          <a:effectRef idx="0">
+            <a:schemeClr val="accent1"/>
+          </a:effectRef>
+          <a:fontRef idx="minor">
+            <a:schemeClr val="tx1"/>
+          </a:fontRef>
+        </p:style>
+      </p:cxnSp>
+      <p:sp>
+        <p:nvSpPr>
+          <p:cNvPr id="72" name="Oval 71">
+            <a:extLst>
+              <a:ext uri="{FF2B5EF4-FFF2-40B4-BE49-F238E27FC236}">
+                <a16:creationId xmlns:a16="http://schemas.microsoft.com/office/drawing/2014/main" id="{EC4226FA-C28A-1C4F-9BC6-69B828ED5014}"/>
+              </a:ext>
+            </a:extLst>
+          </p:cNvPr>
+          <p:cNvSpPr/>
+          <p:nvPr/>
+        </p:nvSpPr>
+        <p:spPr>
+          <a:xfrm>
+            <a:off x="1563989" y="4144442"/>
+            <a:ext cx="1772550" cy="1327616"/>
+          </a:xfrm>
+          <a:prstGeom prst="ellipse">
+            <a:avLst/>
+          </a:prstGeom>
+          <a:solidFill>
+            <a:schemeClr val="accent1">
+              <a:lumMod val="20000"/>
+              <a:lumOff val="80000"/>
+            </a:schemeClr>
+          </a:solidFill>
+        </p:spPr>
+        <p:style>
+          <a:lnRef idx="2">
+            <a:schemeClr val="accent1">
+              <a:shade val="50000"/>
+            </a:schemeClr>
+          </a:lnRef>
+          <a:fillRef idx="1">
+            <a:schemeClr val="accent1"/>
+          </a:fillRef>
+          <a:effectRef idx="0">
+            <a:schemeClr val="accent1"/>
+          </a:effectRef>
+          <a:fontRef idx="minor">
+            <a:schemeClr val="lt1"/>
+          </a:fontRef>
+        </p:style>
+        <p:txBody>
+          <a:bodyPr rtlCol="0" anchor="ctr"/>
+          <a:lstStyle/>
+          <a:p>
+            <a:pPr algn="ctr"/>
+            <a:r>
+              <a:rPr lang="en-US" dirty="0" err="1">
+                <a:solidFill>
+                  <a:schemeClr val="tx1"/>
+                </a:solidFill>
+              </a:rPr>
+              <a:t>Instatntiate</a:t>
+            </a:r>
+            <a:r>
+              <a:rPr lang="en-US" dirty="0">
+                <a:solidFill>
+                  <a:schemeClr val="tx1"/>
+                </a:solidFill>
+              </a:rPr>
+              <a:t> Experiment</a:t>
+            </a:r>
+            <a:endParaRPr lang="en-US" dirty="0"/>
+          </a:p>
+        </p:txBody>
+      </p:sp>
+      <p:sp>
+        <p:nvSpPr>
+          <p:cNvPr id="78" name="Right Brace 77">
+            <a:extLst>
+              <a:ext uri="{FF2B5EF4-FFF2-40B4-BE49-F238E27FC236}">
+                <a16:creationId xmlns:a16="http://schemas.microsoft.com/office/drawing/2014/main" id="{899DBD15-2FAD-C848-A524-291E97F3C654}"/>
+              </a:ext>
+            </a:extLst>
+          </p:cNvPr>
+          <p:cNvSpPr/>
+          <p:nvPr/>
+        </p:nvSpPr>
+        <p:spPr>
+          <a:xfrm rot="5400000">
+            <a:off x="4946649" y="-1374423"/>
+            <a:ext cx="549626" cy="9283171"/>
+          </a:xfrm>
+          <a:prstGeom prst="rightBrace">
+            <a:avLst>
+              <a:gd name="adj1" fmla="val 0"/>
+              <a:gd name="adj2" fmla="val 50000"/>
+            </a:avLst>
+          </a:prstGeom>
+          <a:ln>
+            <a:solidFill>
+              <a:srgbClr val="FF0000"/>
+            </a:solidFill>
+          </a:ln>
+        </p:spPr>
+        <p:style>
+          <a:lnRef idx="1">
+            <a:schemeClr val="accent1"/>
+          </a:lnRef>
+          <a:fillRef idx="0">
+            <a:schemeClr val="accent1"/>
+          </a:fillRef>
+          <a:effectRef idx="0">
+            <a:schemeClr val="accent1"/>
+          </a:effectRef>
+          <a:fontRef idx="minor">
+            <a:schemeClr val="tx1"/>
+          </a:fontRef>
+        </p:style>
+        <p:txBody>
+          <a:bodyPr rtlCol="0" anchor="ctr"/>
+          <a:lstStyle/>
+          <a:p>
+            <a:pPr algn="ctr"/>
+            <a:endParaRPr lang="en-US"/>
+          </a:p>
+        </p:txBody>
+      </p:sp>
+      <p:sp>
+        <p:nvSpPr>
+          <p:cNvPr id="79" name="Right Brace 78">
+            <a:extLst>
+              <a:ext uri="{FF2B5EF4-FFF2-40B4-BE49-F238E27FC236}">
+                <a16:creationId xmlns:a16="http://schemas.microsoft.com/office/drawing/2014/main" id="{36EF7F08-E3D5-BC40-AD74-27682700174A}"/>
+              </a:ext>
+            </a:extLst>
+          </p:cNvPr>
+          <p:cNvSpPr/>
+          <p:nvPr/>
+        </p:nvSpPr>
+        <p:spPr>
+          <a:xfrm rot="5400000">
+            <a:off x="4910440" y="1356003"/>
+            <a:ext cx="549626" cy="9283171"/>
+          </a:xfrm>
+          <a:prstGeom prst="rightBrace">
+            <a:avLst>
+              <a:gd name="adj1" fmla="val 0"/>
+              <a:gd name="adj2" fmla="val 50000"/>
+            </a:avLst>
+          </a:prstGeom>
+          <a:ln>
+            <a:solidFill>
+              <a:srgbClr val="FF0000"/>
+            </a:solidFill>
+          </a:ln>
+        </p:spPr>
+        <p:style>
+          <a:lnRef idx="1">
+            <a:schemeClr val="accent1"/>
+          </a:lnRef>
+          <a:fillRef idx="0">
+            <a:schemeClr val="accent1"/>
+          </a:fillRef>
+          <a:effectRef idx="0">
+            <a:schemeClr val="accent1"/>
+          </a:effectRef>
+          <a:fontRef idx="minor">
+            <a:schemeClr val="tx1"/>
+          </a:fontRef>
+        </p:style>
+        <p:txBody>
+          <a:bodyPr rtlCol="0" anchor="ctr"/>
+          <a:lstStyle/>
+          <a:p>
+            <a:pPr algn="ctr"/>
+            <a:endParaRPr lang="en-US"/>
+          </a:p>
+        </p:txBody>
+      </p:sp>
+      <p:sp>
+        <p:nvSpPr>
+          <p:cNvPr id="80" name="TextBox 79">
+            <a:extLst>
+              <a:ext uri="{FF2B5EF4-FFF2-40B4-BE49-F238E27FC236}">
+                <a16:creationId xmlns:a16="http://schemas.microsoft.com/office/drawing/2014/main" id="{86C47F9C-2B33-1E47-B8CF-4BE36630DA31}"/>
+              </a:ext>
+            </a:extLst>
+          </p:cNvPr>
+          <p:cNvSpPr txBox="1"/>
+          <p:nvPr/>
+        </p:nvSpPr>
+        <p:spPr>
+          <a:xfrm>
+            <a:off x="4074202" y="3451928"/>
+            <a:ext cx="1938351" cy="369332"/>
+          </a:xfrm>
+          <a:prstGeom prst="rect">
+            <a:avLst/>
+          </a:prstGeom>
+          <a:noFill/>
+        </p:spPr>
+        <p:txBody>
+          <a:bodyPr wrap="none" rtlCol="0">
+            <a:spAutoFit/>
+          </a:bodyPr>
+          <a:lstStyle/>
+          <a:p>
+            <a:r>
+              <a:rPr lang="en-US" b="1" dirty="0">
+                <a:solidFill>
+                  <a:srgbClr val="FF0000"/>
+                </a:solidFill>
+              </a:rPr>
+              <a:t>CREATION   PHASE</a:t>
+            </a:r>
+          </a:p>
+        </p:txBody>
+      </p:sp>
+      <p:sp>
+        <p:nvSpPr>
+          <p:cNvPr id="81" name="TextBox 80">
+            <a:extLst>
+              <a:ext uri="{FF2B5EF4-FFF2-40B4-BE49-F238E27FC236}">
+                <a16:creationId xmlns:a16="http://schemas.microsoft.com/office/drawing/2014/main" id="{F1BF7C41-A495-D04B-9D59-635955672528}"/>
+              </a:ext>
+            </a:extLst>
+          </p:cNvPr>
+          <p:cNvSpPr txBox="1"/>
+          <p:nvPr/>
+        </p:nvSpPr>
+        <p:spPr>
+          <a:xfrm>
+            <a:off x="4203724" y="6164085"/>
+            <a:ext cx="1808829" cy="369332"/>
+          </a:xfrm>
+          <a:prstGeom prst="rect">
+            <a:avLst/>
+          </a:prstGeom>
+          <a:noFill/>
+        </p:spPr>
+        <p:txBody>
+          <a:bodyPr wrap="none" rtlCol="0">
+            <a:spAutoFit/>
+          </a:bodyPr>
+          <a:lstStyle/>
+          <a:p>
+            <a:r>
+              <a:rPr lang="en-US" b="1" dirty="0">
+                <a:solidFill>
+                  <a:srgbClr val="FF0000"/>
+                </a:solidFill>
+              </a:rPr>
+              <a:t>SWAP IN   PHASE</a:t>
+            </a:r>
+          </a:p>
+        </p:txBody>
+      </p:sp>
+      <p:cxnSp>
+        <p:nvCxnSpPr>
+          <p:cNvPr id="56" name="Straight Arrow Connector 55">
+            <a:extLst>
+              <a:ext uri="{FF2B5EF4-FFF2-40B4-BE49-F238E27FC236}">
+                <a16:creationId xmlns:a16="http://schemas.microsoft.com/office/drawing/2014/main" id="{B299E533-0E1D-C543-9947-2A45939A0B4A}"/>
+              </a:ext>
+            </a:extLst>
+          </p:cNvPr>
+          <p:cNvCxnSpPr>
+            <a:cxnSpLocks/>
+            <a:stCxn id="8" idx="3"/>
+            <a:endCxn id="13" idx="2"/>
+          </p:cNvCxnSpPr>
+          <p:nvPr/>
+        </p:nvCxnSpPr>
+        <p:spPr>
+          <a:xfrm>
+            <a:off x="5158649" y="1314144"/>
+            <a:ext cx="348691" cy="45485"/>
+          </a:xfrm>
+          <a:prstGeom prst="straightConnector1">
+            <a:avLst/>
+          </a:prstGeom>
+          <a:ln>
+            <a:tailEnd type="triangle"/>
+          </a:ln>
+        </p:spPr>
+        <p:style>
+          <a:lnRef idx="1">
+            <a:schemeClr val="accent1"/>
+          </a:lnRef>
+          <a:fillRef idx="0">
+            <a:schemeClr val="accent1"/>
+          </a:fillRef>
+          <a:effectRef idx="0">
+            <a:schemeClr val="accent1"/>
+          </a:effectRef>
+          <a:fontRef idx="minor">
+            <a:schemeClr val="tx1"/>
+          </a:fontRef>
+        </p:style>
+      </p:cxnSp>
+      <p:cxnSp>
+        <p:nvCxnSpPr>
+          <p:cNvPr id="59" name="Straight Arrow Connector 58">
+            <a:extLst>
+              <a:ext uri="{FF2B5EF4-FFF2-40B4-BE49-F238E27FC236}">
+                <a16:creationId xmlns:a16="http://schemas.microsoft.com/office/drawing/2014/main" id="{360AA979-9BAE-D941-B2C4-F440B5D73100}"/>
+              </a:ext>
+            </a:extLst>
+          </p:cNvPr>
+          <p:cNvCxnSpPr>
+            <a:cxnSpLocks/>
+            <a:stCxn id="11" idx="6"/>
+            <a:endCxn id="8" idx="1"/>
+          </p:cNvCxnSpPr>
+          <p:nvPr/>
+        </p:nvCxnSpPr>
+        <p:spPr>
+          <a:xfrm flipV="1">
+            <a:off x="3363434" y="1314144"/>
+            <a:ext cx="342098" cy="103573"/>
+          </a:xfrm>
+          <a:prstGeom prst="straightConnector1">
+            <a:avLst/>
+          </a:prstGeom>
+          <a:ln>
+            <a:tailEnd type="triangle"/>
+          </a:ln>
+        </p:spPr>
+        <p:style>
+          <a:lnRef idx="1">
+            <a:schemeClr val="accent1"/>
+          </a:lnRef>
+          <a:fillRef idx="0">
+            <a:schemeClr val="accent1"/>
+          </a:fillRef>
+          <a:effectRef idx="0">
+            <a:schemeClr val="accent1"/>
+          </a:effectRef>
+          <a:fontRef idx="minor">
+            <a:schemeClr val="tx1"/>
+          </a:fontRef>
+        </p:style>
+      </p:cxnSp>
+      <p:sp>
+        <p:nvSpPr>
+          <p:cNvPr id="63" name="Rounded Rectangle 62">
+            <a:extLst>
+              <a:ext uri="{FF2B5EF4-FFF2-40B4-BE49-F238E27FC236}">
+                <a16:creationId xmlns:a16="http://schemas.microsoft.com/office/drawing/2014/main" id="{FAD44674-9CD5-B94F-841A-330C0AE779F1}"/>
+              </a:ext>
+            </a:extLst>
+          </p:cNvPr>
+          <p:cNvSpPr/>
+          <p:nvPr/>
+        </p:nvSpPr>
+        <p:spPr>
+          <a:xfrm>
+            <a:off x="7056471" y="949910"/>
+            <a:ext cx="1596657" cy="744279"/>
           </a:xfrm>
           <a:prstGeom prst="roundRect">
             <a:avLst/>
           </a:prstGeom>
+          <a:solidFill>
+            <a:schemeClr val="accent6">
+              <a:lumMod val="60000"/>
+              <a:lumOff val="40000"/>
+            </a:schemeClr>
+          </a:solidFill>
           <a:ln/>
         </p:spPr>
         <p:style>
@@ -8059,95 +9137,40 @@
           <a:p>
             <a:pPr algn="ctr"/>
             <a:r>
-              <a:rPr lang="en-US" b="1" dirty="0"/>
-              <a:t>EIR</a:t>
-            </a:r>
-            <a:r>
               <a:rPr lang="en-US" dirty="0"/>
-              <a:t> = Experiment Internal Representation</a:t>
-            </a:r>
-          </a:p>
-        </p:txBody>
-      </p:sp>
-      <p:sp>
-        <p:nvSpPr>
-          <p:cNvPr id="50" name="Oval 49">
-            <a:extLst>
-              <a:ext uri="{FF2B5EF4-FFF2-40B4-BE49-F238E27FC236}">
-                <a16:creationId xmlns:a16="http://schemas.microsoft.com/office/drawing/2014/main" id="{A1BD5CD4-C842-C944-866C-7795FA532FED}"/>
-              </a:ext>
-            </a:extLst>
-          </p:cNvPr>
-          <p:cNvSpPr/>
-          <p:nvPr/>
-        </p:nvSpPr>
-        <p:spPr>
-          <a:xfrm>
-            <a:off x="4675030" y="4082183"/>
-            <a:ext cx="1785051" cy="1460207"/>
-          </a:xfrm>
-          <a:prstGeom prst="ellipse">
-            <a:avLst/>
-          </a:prstGeom>
-          <a:solidFill>
-            <a:schemeClr val="accent1">
-              <a:lumMod val="20000"/>
-              <a:lumOff val="80000"/>
-            </a:schemeClr>
-          </a:solidFill>
-        </p:spPr>
-        <p:style>
-          <a:lnRef idx="2">
-            <a:schemeClr val="accent1">
-              <a:shade val="50000"/>
-            </a:schemeClr>
-          </a:lnRef>
-          <a:fillRef idx="1">
-            <a:schemeClr val="accent1"/>
-          </a:fillRef>
-          <a:effectRef idx="0">
-            <a:schemeClr val="accent1"/>
-          </a:effectRef>
-          <a:fontRef idx="minor">
-            <a:schemeClr val="lt1"/>
-          </a:fontRef>
-        </p:style>
-        <p:txBody>
-          <a:bodyPr rtlCol="0" anchor="ctr"/>
-          <a:lstStyle/>
-          <a:p>
-            <a:pPr algn="ctr"/>
-            <a:r>
-              <a:rPr lang="en-US" dirty="0">
-                <a:solidFill>
-                  <a:schemeClr val="tx1"/>
-                </a:solidFill>
-              </a:rPr>
-              <a:t>ASSIGNER</a:t>
-            </a:r>
-            <a:endParaRPr lang="en-US" dirty="0"/>
+              <a:t>Parsed </a:t>
+            </a:r>
+            <a:r>
+              <a:rPr lang="en-US" dirty="0" err="1"/>
+              <a:t>exp</a:t>
+            </a:r>
+            <a:r>
+              <a:rPr lang="en-US" dirty="0"/>
+              <a:t> configuration</a:t>
+            </a:r>
           </a:p>
         </p:txBody>
       </p:sp>
       <p:cxnSp>
         <p:nvCxnSpPr>
-          <p:cNvPr id="51" name="Straight Arrow Connector 50">
-            <a:extLst>
-              <a:ext uri="{FF2B5EF4-FFF2-40B4-BE49-F238E27FC236}">
-                <a16:creationId xmlns:a16="http://schemas.microsoft.com/office/drawing/2014/main" id="{1FC2C511-8500-F04E-BAF3-5BA7DB9836C5}"/>
+          <p:cNvPr id="73" name="Straight Arrow Connector 72">
+            <a:extLst>
+              <a:ext uri="{FF2B5EF4-FFF2-40B4-BE49-F238E27FC236}">
+                <a16:creationId xmlns:a16="http://schemas.microsoft.com/office/drawing/2014/main" id="{AEFEF6A4-CB07-5449-87DA-AA4F11ADEF63}"/>
               </a:ext>
             </a:extLst>
           </p:cNvPr>
           <p:cNvCxnSpPr>
             <a:cxnSpLocks/>
-            <a:stCxn id="50" idx="2"/>
+            <a:stCxn id="63" idx="3"/>
+            <a:endCxn id="12" idx="2"/>
           </p:cNvCxnSpPr>
           <p:nvPr/>
         </p:nvCxnSpPr>
         <p:spPr>
-          <a:xfrm flipH="1">
-            <a:off x="3294481" y="4812287"/>
-            <a:ext cx="1380549" cy="0"/>
+          <a:xfrm>
+            <a:off x="8653128" y="1322050"/>
+            <a:ext cx="1298945" cy="320907"/>
           </a:xfrm>
           <a:prstGeom prst="straightConnector1">
             <a:avLst/>
@@ -8171,241 +9194,59 @@
           </a:fontRef>
         </p:style>
       </p:cxnSp>
-      <p:cxnSp>
-        <p:nvCxnSpPr>
-          <p:cNvPr id="52" name="Straight Arrow Connector 51">
-            <a:extLst>
-              <a:ext uri="{FF2B5EF4-FFF2-40B4-BE49-F238E27FC236}">
-                <a16:creationId xmlns:a16="http://schemas.microsoft.com/office/drawing/2014/main" id="{BC36CFD8-340E-7742-93D5-8010AE3D25CC}"/>
-              </a:ext>
-            </a:extLst>
-          </p:cNvPr>
-          <p:cNvCxnSpPr>
-            <a:cxnSpLocks/>
-            <a:stCxn id="14" idx="2"/>
-            <a:endCxn id="50" idx="6"/>
-          </p:cNvCxnSpPr>
-          <p:nvPr/>
-        </p:nvCxnSpPr>
-        <p:spPr>
-          <a:xfrm flipH="1">
-            <a:off x="6460081" y="4808250"/>
-            <a:ext cx="731473" cy="4037"/>
-          </a:xfrm>
-          <a:prstGeom prst="straightConnector1">
-            <a:avLst/>
-          </a:prstGeom>
-          <a:ln>
-            <a:tailEnd type="triangle"/>
-          </a:ln>
-        </p:spPr>
-        <p:style>
-          <a:lnRef idx="1">
-            <a:schemeClr val="accent1"/>
-          </a:lnRef>
-          <a:fillRef idx="0">
-            <a:schemeClr val="accent1"/>
-          </a:fillRef>
-          <a:effectRef idx="0">
-            <a:schemeClr val="accent1"/>
-          </a:effectRef>
-          <a:fontRef idx="minor">
-            <a:schemeClr val="tx1"/>
-          </a:fontRef>
-        </p:style>
-      </p:cxnSp>
-      <p:cxnSp>
-        <p:nvCxnSpPr>
-          <p:cNvPr id="53" name="Straight Arrow Connector 52">
-            <a:extLst>
-              <a:ext uri="{FF2B5EF4-FFF2-40B4-BE49-F238E27FC236}">
-                <a16:creationId xmlns:a16="http://schemas.microsoft.com/office/drawing/2014/main" id="{68FE6E3A-E7AA-FF41-B16F-2FD1BB5F80D1}"/>
-              </a:ext>
-            </a:extLst>
-          </p:cNvPr>
-          <p:cNvCxnSpPr>
-            <a:cxnSpLocks/>
-            <a:stCxn id="9" idx="1"/>
-            <a:endCxn id="14" idx="6"/>
-          </p:cNvCxnSpPr>
-          <p:nvPr/>
-        </p:nvCxnSpPr>
-        <p:spPr>
-          <a:xfrm flipH="1" flipV="1">
-            <a:off x="8654499" y="4808250"/>
-            <a:ext cx="1412148" cy="856074"/>
-          </a:xfrm>
-          <a:prstGeom prst="straightConnector1">
-            <a:avLst/>
-          </a:prstGeom>
-          <a:ln>
-            <a:tailEnd type="triangle"/>
-          </a:ln>
-        </p:spPr>
-        <p:style>
-          <a:lnRef idx="1">
-            <a:schemeClr val="accent1"/>
-          </a:lnRef>
-          <a:fillRef idx="0">
-            <a:schemeClr val="accent1"/>
-          </a:fillRef>
-          <a:effectRef idx="0">
-            <a:schemeClr val="accent1"/>
-          </a:effectRef>
-          <a:fontRef idx="minor">
-            <a:schemeClr val="tx1"/>
-          </a:fontRef>
-        </p:style>
-      </p:cxnSp>
-      <p:cxnSp>
-        <p:nvCxnSpPr>
-          <p:cNvPr id="62" name="Straight Arrow Connector 61">
-            <a:extLst>
-              <a:ext uri="{FF2B5EF4-FFF2-40B4-BE49-F238E27FC236}">
-                <a16:creationId xmlns:a16="http://schemas.microsoft.com/office/drawing/2014/main" id="{EE347551-2C0D-4343-AA6F-A25A96890500}"/>
-              </a:ext>
-            </a:extLst>
-          </p:cNvPr>
-          <p:cNvCxnSpPr>
-            <a:cxnSpLocks/>
-            <a:stCxn id="47" idx="1"/>
-            <a:endCxn id="14" idx="6"/>
-          </p:cNvCxnSpPr>
-          <p:nvPr/>
-        </p:nvCxnSpPr>
-        <p:spPr>
-          <a:xfrm flipH="1" flipV="1">
-            <a:off x="8654499" y="4808250"/>
-            <a:ext cx="1393773" cy="222795"/>
-          </a:xfrm>
-          <a:prstGeom prst="straightConnector1">
-            <a:avLst/>
-          </a:prstGeom>
-          <a:ln>
-            <a:tailEnd type="triangle"/>
-          </a:ln>
-        </p:spPr>
-        <p:style>
-          <a:lnRef idx="1">
-            <a:schemeClr val="accent1"/>
-          </a:lnRef>
-          <a:fillRef idx="0">
-            <a:schemeClr val="accent1"/>
-          </a:fillRef>
-          <a:effectRef idx="0">
-            <a:schemeClr val="accent1"/>
-          </a:effectRef>
-          <a:fontRef idx="minor">
-            <a:schemeClr val="tx1"/>
-          </a:fontRef>
-        </p:style>
-      </p:cxnSp>
-      <p:cxnSp>
-        <p:nvCxnSpPr>
-          <p:cNvPr id="65" name="Straight Arrow Connector 64">
-            <a:extLst>
-              <a:ext uri="{FF2B5EF4-FFF2-40B4-BE49-F238E27FC236}">
-                <a16:creationId xmlns:a16="http://schemas.microsoft.com/office/drawing/2014/main" id="{640D7C33-CCCB-A843-AAF6-43F7BC2FE276}"/>
-              </a:ext>
-            </a:extLst>
-          </p:cNvPr>
-          <p:cNvCxnSpPr>
-            <a:cxnSpLocks/>
-            <a:stCxn id="6" idx="1"/>
-            <a:endCxn id="14" idx="6"/>
-          </p:cNvCxnSpPr>
-          <p:nvPr/>
-        </p:nvCxnSpPr>
-        <p:spPr>
-          <a:xfrm flipH="1">
-            <a:off x="8654499" y="3810318"/>
-            <a:ext cx="1072241" cy="997932"/>
-          </a:xfrm>
-          <a:prstGeom prst="straightConnector1">
-            <a:avLst/>
-          </a:prstGeom>
-          <a:ln>
-            <a:tailEnd type="triangle"/>
-          </a:ln>
-        </p:spPr>
-        <p:style>
-          <a:lnRef idx="1">
-            <a:schemeClr val="accent1"/>
-          </a:lnRef>
-          <a:fillRef idx="0">
-            <a:schemeClr val="accent1"/>
-          </a:fillRef>
-          <a:effectRef idx="0">
-            <a:schemeClr val="accent1"/>
-          </a:effectRef>
-          <a:fontRef idx="minor">
-            <a:schemeClr val="tx1"/>
-          </a:fontRef>
-        </p:style>
-      </p:cxnSp>
-      <p:sp>
-        <p:nvSpPr>
-          <p:cNvPr id="72" name="Oval 71">
-            <a:extLst>
-              <a:ext uri="{FF2B5EF4-FFF2-40B4-BE49-F238E27FC236}">
-                <a16:creationId xmlns:a16="http://schemas.microsoft.com/office/drawing/2014/main" id="{EC4226FA-C28A-1C4F-9BC6-69B828ED5014}"/>
-              </a:ext>
-            </a:extLst>
-          </p:cNvPr>
-          <p:cNvSpPr/>
-          <p:nvPr/>
-        </p:nvSpPr>
-        <p:spPr>
-          <a:xfrm>
-            <a:off x="1563989" y="4144442"/>
-            <a:ext cx="1772550" cy="1327616"/>
-          </a:xfrm>
-          <a:prstGeom prst="ellipse">
-            <a:avLst/>
-          </a:prstGeom>
-          <a:solidFill>
-            <a:schemeClr val="accent1">
-              <a:lumMod val="20000"/>
-              <a:lumOff val="80000"/>
-            </a:schemeClr>
-          </a:solidFill>
-        </p:spPr>
-        <p:style>
-          <a:lnRef idx="2">
-            <a:schemeClr val="accent1">
-              <a:shade val="50000"/>
-            </a:schemeClr>
-          </a:lnRef>
-          <a:fillRef idx="1">
-            <a:schemeClr val="accent1"/>
-          </a:fillRef>
-          <a:effectRef idx="0">
-            <a:schemeClr val="accent1"/>
-          </a:effectRef>
-          <a:fontRef idx="minor">
-            <a:schemeClr val="lt1"/>
-          </a:fontRef>
-        </p:style>
-        <p:txBody>
-          <a:bodyPr rtlCol="0" anchor="ctr"/>
-          <a:lstStyle/>
-          <a:p>
-            <a:pPr algn="ctr"/>
-            <a:r>
-              <a:rPr lang="en-US" dirty="0" err="1">
-                <a:solidFill>
-                  <a:schemeClr val="tx1"/>
-                </a:solidFill>
-              </a:rPr>
-              <a:t>Instatntiate</a:t>
-            </a:r>
-            <a:r>
-              <a:rPr lang="en-US" dirty="0">
-                <a:solidFill>
-                  <a:schemeClr val="tx1"/>
-                </a:solidFill>
-              </a:rPr>
-              <a:t> Experiment</a:t>
+      <p:sp>
+        <p:nvSpPr>
+          <p:cNvPr id="69" name="Date Placeholder 68">
+            <a:extLst>
+              <a:ext uri="{FF2B5EF4-FFF2-40B4-BE49-F238E27FC236}">
+                <a16:creationId xmlns:a16="http://schemas.microsoft.com/office/drawing/2014/main" id="{2D74A9AB-1DE9-A146-9E63-A722B3AD9A4F}"/>
+              </a:ext>
+            </a:extLst>
+          </p:cNvPr>
+          <p:cNvSpPr>
+            <a:spLocks noGrp="1"/>
+          </p:cNvSpPr>
+          <p:nvPr>
+            <p:ph type="dt" sz="half" idx="10"/>
+          </p:nvPr>
+        </p:nvSpPr>
+        <p:spPr/>
+        <p:txBody>
+          <a:bodyPr/>
+          <a:lstStyle/>
+          <a:p>
+            <a:fld id="{6E2E68B6-F7F5-2E47-BF34-AC6C575A6222}" type="datetime1">
+              <a:rPr lang="en-US" smtClean="0"/>
+              <a:t>4/12/18</a:t>
+            </a:fld>
+            <a:endParaRPr lang="en-US"/>
+          </a:p>
+        </p:txBody>
+      </p:sp>
+      <p:sp>
+        <p:nvSpPr>
+          <p:cNvPr id="70" name="Footer Placeholder 69">
+            <a:extLst>
+              <a:ext uri="{FF2B5EF4-FFF2-40B4-BE49-F238E27FC236}">
+                <a16:creationId xmlns:a16="http://schemas.microsoft.com/office/drawing/2014/main" id="{EED8A516-813E-1F48-B202-C890AA00480C}"/>
+              </a:ext>
+            </a:extLst>
+          </p:cNvPr>
+          <p:cNvSpPr>
+            <a:spLocks noGrp="1"/>
+          </p:cNvSpPr>
+          <p:nvPr>
+            <p:ph type="ftr" sz="quarter" idx="11"/>
+          </p:nvPr>
+        </p:nvSpPr>
+        <p:spPr/>
+        <p:txBody>
+          <a:bodyPr/>
+          <a:lstStyle/>
+          <a:p>
+            <a:r>
+              <a:rPr lang="en-US"/>
+              <a:t>Goran Scuric</a:t>
             </a:r>
             <a:endParaRPr lang="en-US" dirty="0"/>
           </a:p>
@@ -8413,183 +9254,30 @@
       </p:sp>
       <p:sp>
         <p:nvSpPr>
-          <p:cNvPr id="78" name="Right Brace 77">
-            <a:extLst>
-              <a:ext uri="{FF2B5EF4-FFF2-40B4-BE49-F238E27FC236}">
-                <a16:creationId xmlns:a16="http://schemas.microsoft.com/office/drawing/2014/main" id="{899DBD15-2FAD-C848-A524-291E97F3C654}"/>
-              </a:ext>
-            </a:extLst>
-          </p:cNvPr>
-          <p:cNvSpPr/>
-          <p:nvPr/>
-        </p:nvSpPr>
-        <p:spPr>
-          <a:xfrm rot="5400000">
-            <a:off x="4946649" y="-1374423"/>
-            <a:ext cx="549626" cy="9283171"/>
-          </a:xfrm>
-          <a:prstGeom prst="rightBrace">
-            <a:avLst>
-              <a:gd name="adj1" fmla="val 0"/>
-              <a:gd name="adj2" fmla="val 50000"/>
-            </a:avLst>
-          </a:prstGeom>
-          <a:ln>
-            <a:solidFill>
-              <a:srgbClr val="FF0000"/>
-            </a:solidFill>
-          </a:ln>
-        </p:spPr>
-        <p:style>
-          <a:lnRef idx="1">
-            <a:schemeClr val="accent1"/>
-          </a:lnRef>
-          <a:fillRef idx="0">
-            <a:schemeClr val="accent1"/>
-          </a:fillRef>
-          <a:effectRef idx="0">
-            <a:schemeClr val="accent1"/>
-          </a:effectRef>
-          <a:fontRef idx="minor">
-            <a:schemeClr val="tx1"/>
-          </a:fontRef>
-        </p:style>
-        <p:txBody>
-          <a:bodyPr rtlCol="0" anchor="ctr"/>
-          <a:lstStyle/>
-          <a:p>
-            <a:pPr algn="ctr"/>
-            <a:endParaRPr lang="en-US"/>
-          </a:p>
-        </p:txBody>
-      </p:sp>
-      <p:sp>
-        <p:nvSpPr>
-          <p:cNvPr id="79" name="Right Brace 78">
-            <a:extLst>
-              <a:ext uri="{FF2B5EF4-FFF2-40B4-BE49-F238E27FC236}">
-                <a16:creationId xmlns:a16="http://schemas.microsoft.com/office/drawing/2014/main" id="{36EF7F08-E3D5-BC40-AD74-27682700174A}"/>
-              </a:ext>
-            </a:extLst>
-          </p:cNvPr>
-          <p:cNvSpPr/>
-          <p:nvPr/>
-        </p:nvSpPr>
-        <p:spPr>
-          <a:xfrm rot="5400000">
-            <a:off x="4910440" y="1356003"/>
-            <a:ext cx="549626" cy="9283171"/>
-          </a:xfrm>
-          <a:prstGeom prst="rightBrace">
-            <a:avLst>
-              <a:gd name="adj1" fmla="val 0"/>
-              <a:gd name="adj2" fmla="val 50000"/>
-            </a:avLst>
-          </a:prstGeom>
-          <a:ln>
-            <a:solidFill>
-              <a:srgbClr val="FF0000"/>
-            </a:solidFill>
-          </a:ln>
-        </p:spPr>
-        <p:style>
-          <a:lnRef idx="1">
-            <a:schemeClr val="accent1"/>
-          </a:lnRef>
-          <a:fillRef idx="0">
-            <a:schemeClr val="accent1"/>
-          </a:fillRef>
-          <a:effectRef idx="0">
-            <a:schemeClr val="accent1"/>
-          </a:effectRef>
-          <a:fontRef idx="minor">
-            <a:schemeClr val="tx1"/>
-          </a:fontRef>
-        </p:style>
-        <p:txBody>
-          <a:bodyPr rtlCol="0" anchor="ctr"/>
-          <a:lstStyle/>
-          <a:p>
-            <a:pPr algn="ctr"/>
-            <a:endParaRPr lang="en-US"/>
-          </a:p>
-        </p:txBody>
-      </p:sp>
-      <p:sp>
-        <p:nvSpPr>
-          <p:cNvPr id="80" name="TextBox 79">
-            <a:extLst>
-              <a:ext uri="{FF2B5EF4-FFF2-40B4-BE49-F238E27FC236}">
-                <a16:creationId xmlns:a16="http://schemas.microsoft.com/office/drawing/2014/main" id="{86C47F9C-2B33-1E47-B8CF-4BE36630DA31}"/>
-              </a:ext>
-            </a:extLst>
-          </p:cNvPr>
-          <p:cNvSpPr txBox="1"/>
-          <p:nvPr/>
-        </p:nvSpPr>
-        <p:spPr>
-          <a:xfrm>
-            <a:off x="4074202" y="3451928"/>
-            <a:ext cx="1938351" cy="369332"/>
-          </a:xfrm>
-          <a:prstGeom prst="rect">
-            <a:avLst/>
-          </a:prstGeom>
-          <a:noFill/>
-        </p:spPr>
-        <p:txBody>
-          <a:bodyPr wrap="none" rtlCol="0">
-            <a:spAutoFit/>
-          </a:bodyPr>
-          <a:lstStyle/>
-          <a:p>
-            <a:r>
-              <a:rPr lang="en-US" b="1" dirty="0">
-                <a:solidFill>
-                  <a:srgbClr val="FF0000"/>
-                </a:solidFill>
-              </a:rPr>
-              <a:t>CREATION   PHASE</a:t>
-            </a:r>
-          </a:p>
-        </p:txBody>
-      </p:sp>
-      <p:sp>
-        <p:nvSpPr>
-          <p:cNvPr id="81" name="TextBox 80">
-            <a:extLst>
-              <a:ext uri="{FF2B5EF4-FFF2-40B4-BE49-F238E27FC236}">
-                <a16:creationId xmlns:a16="http://schemas.microsoft.com/office/drawing/2014/main" id="{F1BF7C41-A495-D04B-9D59-635955672528}"/>
-              </a:ext>
-            </a:extLst>
-          </p:cNvPr>
-          <p:cNvSpPr txBox="1"/>
-          <p:nvPr/>
-        </p:nvSpPr>
-        <p:spPr>
-          <a:xfrm>
-            <a:off x="4203724" y="6164085"/>
-            <a:ext cx="1808829" cy="369332"/>
-          </a:xfrm>
-          <a:prstGeom prst="rect">
-            <a:avLst/>
-          </a:prstGeom>
-          <a:noFill/>
-        </p:spPr>
-        <p:txBody>
-          <a:bodyPr wrap="none" rtlCol="0">
-            <a:spAutoFit/>
-          </a:bodyPr>
-          <a:lstStyle/>
-          <a:p>
-            <a:r>
-              <a:rPr lang="en-US" b="1" dirty="0">
-                <a:solidFill>
-                  <a:srgbClr val="FF0000"/>
-                </a:solidFill>
-              </a:rPr>
-              <a:t>SWAP IN   PHASE</a:t>
-            </a:r>
+          <p:cNvPr id="71" name="Slide Number Placeholder 70">
+            <a:extLst>
+              <a:ext uri="{FF2B5EF4-FFF2-40B4-BE49-F238E27FC236}">
+                <a16:creationId xmlns:a16="http://schemas.microsoft.com/office/drawing/2014/main" id="{B7E01A8F-103F-CA4F-B9A1-F8E3791F4B7E}"/>
+              </a:ext>
+            </a:extLst>
+          </p:cNvPr>
+          <p:cNvSpPr>
+            <a:spLocks noGrp="1"/>
+          </p:cNvSpPr>
+          <p:nvPr>
+            <p:ph type="sldNum" sz="quarter" idx="12"/>
+          </p:nvPr>
+        </p:nvSpPr>
+        <p:spPr/>
+        <p:txBody>
+          <a:bodyPr/>
+          <a:lstStyle/>
+          <a:p>
+            <a:fld id="{2743A12C-F64B-8E4D-A41F-034344D8023F}" type="slidenum">
+              <a:rPr lang="en-US" smtClean="0"/>
+              <a:t>3</a:t>
+            </a:fld>
+            <a:endParaRPr lang="en-US" dirty="0"/>
           </a:p>
         </p:txBody>
       </p:sp>
@@ -9346,6 +10034,93 @@
           </a:p>
         </p:txBody>
       </p:sp>
+      <p:sp>
+        <p:nvSpPr>
+          <p:cNvPr id="2" name="Date Placeholder 1">
+            <a:extLst>
+              <a:ext uri="{FF2B5EF4-FFF2-40B4-BE49-F238E27FC236}">
+                <a16:creationId xmlns:a16="http://schemas.microsoft.com/office/drawing/2014/main" id="{F85E5A8B-137B-2545-B35C-85DE5336DA4D}"/>
+              </a:ext>
+            </a:extLst>
+          </p:cNvPr>
+          <p:cNvSpPr>
+            <a:spLocks noGrp="1"/>
+          </p:cNvSpPr>
+          <p:nvPr>
+            <p:ph type="dt" sz="half" idx="10"/>
+          </p:nvPr>
+        </p:nvSpPr>
+        <p:spPr/>
+        <p:txBody>
+          <a:bodyPr/>
+          <a:lstStyle/>
+          <a:p>
+            <a:fld id="{4A690B5E-D0D3-DA4C-8118-90693484EB33}" type="datetime1">
+              <a:rPr lang="en-US" smtClean="0"/>
+              <a:t>4/12/18</a:t>
+            </a:fld>
+            <a:endParaRPr lang="en-US"/>
+          </a:p>
+        </p:txBody>
+      </p:sp>
+      <p:sp>
+        <p:nvSpPr>
+          <p:cNvPr id="4" name="Footer Placeholder 3">
+            <a:extLst>
+              <a:ext uri="{FF2B5EF4-FFF2-40B4-BE49-F238E27FC236}">
+                <a16:creationId xmlns:a16="http://schemas.microsoft.com/office/drawing/2014/main" id="{3703F732-2F60-C249-B6FC-F091F45802F3}"/>
+              </a:ext>
+            </a:extLst>
+          </p:cNvPr>
+          <p:cNvSpPr>
+            <a:spLocks noGrp="1"/>
+          </p:cNvSpPr>
+          <p:nvPr>
+            <p:ph type="ftr" sz="quarter" idx="11"/>
+          </p:nvPr>
+        </p:nvSpPr>
+        <p:spPr/>
+        <p:txBody>
+          <a:bodyPr/>
+          <a:lstStyle/>
+          <a:p>
+            <a:r>
+              <a:rPr lang="en-US"/>
+              <a:t>Goran Scuric</a:t>
+            </a:r>
+            <a:endParaRPr lang="en-US" dirty="0"/>
+          </a:p>
+        </p:txBody>
+      </p:sp>
+      <p:sp>
+        <p:nvSpPr>
+          <p:cNvPr id="6" name="Slide Number Placeholder 5">
+            <a:extLst>
+              <a:ext uri="{FF2B5EF4-FFF2-40B4-BE49-F238E27FC236}">
+                <a16:creationId xmlns:a16="http://schemas.microsoft.com/office/drawing/2014/main" id="{8AA532F1-56C1-D349-BC4F-73D5D6E1A22D}"/>
+              </a:ext>
+            </a:extLst>
+          </p:cNvPr>
+          <p:cNvSpPr>
+            <a:spLocks noGrp="1"/>
+          </p:cNvSpPr>
+          <p:nvPr>
+            <p:ph type="sldNum" sz="quarter" idx="12"/>
+          </p:nvPr>
+        </p:nvSpPr>
+        <p:spPr/>
+        <p:txBody>
+          <a:bodyPr/>
+          <a:lstStyle/>
+          <a:p>
+            <a:fld id="{2743A12C-F64B-8E4D-A41F-034344D8023F}" type="slidenum">
+              <a:rPr lang="en-US" smtClean="0"/>
+              <a:t>4</a:t>
+            </a:fld>
+            <a:endParaRPr lang="en-US" dirty="0"/>
+          </a:p>
+        </p:txBody>
+      </p:sp>
     </p:spTree>
     <p:extLst>
       <p:ext uri="{BB962C8B-B14F-4D97-AF65-F5344CB8AC3E}">
@@ -10179,6 +10954,93 @@
             </a:r>
           </a:p>
           <a:p>
+            <a:endParaRPr lang="en-US" dirty="0"/>
+          </a:p>
+        </p:txBody>
+      </p:sp>
+      <p:sp>
+        <p:nvSpPr>
+          <p:cNvPr id="2" name="Date Placeholder 1">
+            <a:extLst>
+              <a:ext uri="{FF2B5EF4-FFF2-40B4-BE49-F238E27FC236}">
+                <a16:creationId xmlns:a16="http://schemas.microsoft.com/office/drawing/2014/main" id="{D0AACE65-199A-AB42-8D92-55A42F426113}"/>
+              </a:ext>
+            </a:extLst>
+          </p:cNvPr>
+          <p:cNvSpPr>
+            <a:spLocks noGrp="1"/>
+          </p:cNvSpPr>
+          <p:nvPr>
+            <p:ph type="dt" sz="half" idx="10"/>
+          </p:nvPr>
+        </p:nvSpPr>
+        <p:spPr/>
+        <p:txBody>
+          <a:bodyPr/>
+          <a:lstStyle/>
+          <a:p>
+            <a:fld id="{6DE09484-702E-CE48-9E98-C789011B047F}" type="datetime1">
+              <a:rPr lang="en-US" smtClean="0"/>
+              <a:t>4/12/18</a:t>
+            </a:fld>
+            <a:endParaRPr lang="en-US"/>
+          </a:p>
+        </p:txBody>
+      </p:sp>
+      <p:sp>
+        <p:nvSpPr>
+          <p:cNvPr id="6" name="Footer Placeholder 5">
+            <a:extLst>
+              <a:ext uri="{FF2B5EF4-FFF2-40B4-BE49-F238E27FC236}">
+                <a16:creationId xmlns:a16="http://schemas.microsoft.com/office/drawing/2014/main" id="{C341179C-AD51-E349-A350-D2D1D286D67D}"/>
+              </a:ext>
+            </a:extLst>
+          </p:cNvPr>
+          <p:cNvSpPr>
+            <a:spLocks noGrp="1"/>
+          </p:cNvSpPr>
+          <p:nvPr>
+            <p:ph type="ftr" sz="quarter" idx="11"/>
+          </p:nvPr>
+        </p:nvSpPr>
+        <p:spPr/>
+        <p:txBody>
+          <a:bodyPr/>
+          <a:lstStyle/>
+          <a:p>
+            <a:r>
+              <a:rPr lang="en-US"/>
+              <a:t>Goran Scuric</a:t>
+            </a:r>
+            <a:endParaRPr lang="en-US" dirty="0"/>
+          </a:p>
+        </p:txBody>
+      </p:sp>
+      <p:sp>
+        <p:nvSpPr>
+          <p:cNvPr id="7" name="Slide Number Placeholder 6">
+            <a:extLst>
+              <a:ext uri="{FF2B5EF4-FFF2-40B4-BE49-F238E27FC236}">
+                <a16:creationId xmlns:a16="http://schemas.microsoft.com/office/drawing/2014/main" id="{AAA1D12C-AD62-3445-8B8E-602AC4F2198C}"/>
+              </a:ext>
+            </a:extLst>
+          </p:cNvPr>
+          <p:cNvSpPr>
+            <a:spLocks noGrp="1"/>
+          </p:cNvSpPr>
+          <p:nvPr>
+            <p:ph type="sldNum" sz="quarter" idx="12"/>
+          </p:nvPr>
+        </p:nvSpPr>
+        <p:spPr/>
+        <p:txBody>
+          <a:bodyPr/>
+          <a:lstStyle/>
+          <a:p>
+            <a:fld id="{2743A12C-F64B-8E4D-A41F-034344D8023F}" type="slidenum">
+              <a:rPr lang="en-US" smtClean="0"/>
+              <a:t>5</a:t>
+            </a:fld>
             <a:endParaRPr lang="en-US" dirty="0"/>
           </a:p>
         </p:txBody>
@@ -10895,6 +11757,93 @@
               </a:rPr>
               <a:t>(Messages OUT)</a:t>
             </a:r>
+          </a:p>
+        </p:txBody>
+      </p:sp>
+      <p:sp>
+        <p:nvSpPr>
+          <p:cNvPr id="2" name="Date Placeholder 1">
+            <a:extLst>
+              <a:ext uri="{FF2B5EF4-FFF2-40B4-BE49-F238E27FC236}">
+                <a16:creationId xmlns:a16="http://schemas.microsoft.com/office/drawing/2014/main" id="{3C3D15E8-12D4-0045-B81C-98AD2C337C84}"/>
+              </a:ext>
+            </a:extLst>
+          </p:cNvPr>
+          <p:cNvSpPr>
+            <a:spLocks noGrp="1"/>
+          </p:cNvSpPr>
+          <p:nvPr>
+            <p:ph type="dt" sz="half" idx="10"/>
+          </p:nvPr>
+        </p:nvSpPr>
+        <p:spPr/>
+        <p:txBody>
+          <a:bodyPr/>
+          <a:lstStyle/>
+          <a:p>
+            <a:fld id="{76F36DC3-16AD-F840-A35E-9505EC630AE1}" type="datetime1">
+              <a:rPr lang="en-US" smtClean="0"/>
+              <a:t>4/12/18</a:t>
+            </a:fld>
+            <a:endParaRPr lang="en-US"/>
+          </a:p>
+        </p:txBody>
+      </p:sp>
+      <p:sp>
+        <p:nvSpPr>
+          <p:cNvPr id="7" name="Footer Placeholder 6">
+            <a:extLst>
+              <a:ext uri="{FF2B5EF4-FFF2-40B4-BE49-F238E27FC236}">
+                <a16:creationId xmlns:a16="http://schemas.microsoft.com/office/drawing/2014/main" id="{4D14E84C-51DF-264C-8BDB-1EBA3A75C6D7}"/>
+              </a:ext>
+            </a:extLst>
+          </p:cNvPr>
+          <p:cNvSpPr>
+            <a:spLocks noGrp="1"/>
+          </p:cNvSpPr>
+          <p:nvPr>
+            <p:ph type="ftr" sz="quarter" idx="11"/>
+          </p:nvPr>
+        </p:nvSpPr>
+        <p:spPr/>
+        <p:txBody>
+          <a:bodyPr/>
+          <a:lstStyle/>
+          <a:p>
+            <a:r>
+              <a:rPr lang="en-US"/>
+              <a:t>Goran Scuric</a:t>
+            </a:r>
+            <a:endParaRPr lang="en-US" dirty="0"/>
+          </a:p>
+        </p:txBody>
+      </p:sp>
+      <p:sp>
+        <p:nvSpPr>
+          <p:cNvPr id="8" name="Slide Number Placeholder 7">
+            <a:extLst>
+              <a:ext uri="{FF2B5EF4-FFF2-40B4-BE49-F238E27FC236}">
+                <a16:creationId xmlns:a16="http://schemas.microsoft.com/office/drawing/2014/main" id="{34307386-B302-204F-918E-A722D3148DFB}"/>
+              </a:ext>
+            </a:extLst>
+          </p:cNvPr>
+          <p:cNvSpPr>
+            <a:spLocks noGrp="1"/>
+          </p:cNvSpPr>
+          <p:nvPr>
+            <p:ph type="sldNum" sz="quarter" idx="12"/>
+          </p:nvPr>
+        </p:nvSpPr>
+        <p:spPr/>
+        <p:txBody>
+          <a:bodyPr/>
+          <a:lstStyle/>
+          <a:p>
+            <a:fld id="{2743A12C-F64B-8E4D-A41F-034344D8023F}" type="slidenum">
+              <a:rPr lang="en-US" smtClean="0"/>
+              <a:t>6</a:t>
+            </a:fld>
+            <a:endParaRPr lang="en-US" dirty="0"/>
           </a:p>
         </p:txBody>
       </p:sp>
@@ -12085,6 +13034,93 @@
           </a:p>
         </p:txBody>
       </p:sp>
+      <p:sp>
+        <p:nvSpPr>
+          <p:cNvPr id="2" name="Date Placeholder 1">
+            <a:extLst>
+              <a:ext uri="{FF2B5EF4-FFF2-40B4-BE49-F238E27FC236}">
+                <a16:creationId xmlns:a16="http://schemas.microsoft.com/office/drawing/2014/main" id="{92A5AF9D-0A10-814E-8709-C884E5655425}"/>
+              </a:ext>
+            </a:extLst>
+          </p:cNvPr>
+          <p:cNvSpPr>
+            <a:spLocks noGrp="1"/>
+          </p:cNvSpPr>
+          <p:nvPr>
+            <p:ph type="dt" sz="half" idx="10"/>
+          </p:nvPr>
+        </p:nvSpPr>
+        <p:spPr/>
+        <p:txBody>
+          <a:bodyPr/>
+          <a:lstStyle/>
+          <a:p>
+            <a:fld id="{766F5230-451B-C944-8F3E-D97E12A1F3D4}" type="datetime1">
+              <a:rPr lang="en-US" smtClean="0"/>
+              <a:t>4/12/18</a:t>
+            </a:fld>
+            <a:endParaRPr lang="en-US"/>
+          </a:p>
+        </p:txBody>
+      </p:sp>
+      <p:sp>
+        <p:nvSpPr>
+          <p:cNvPr id="8" name="Footer Placeholder 7">
+            <a:extLst>
+              <a:ext uri="{FF2B5EF4-FFF2-40B4-BE49-F238E27FC236}">
+                <a16:creationId xmlns:a16="http://schemas.microsoft.com/office/drawing/2014/main" id="{DD2BDE6B-6762-0049-92FB-FBB1D61F9BB8}"/>
+              </a:ext>
+            </a:extLst>
+          </p:cNvPr>
+          <p:cNvSpPr>
+            <a:spLocks noGrp="1"/>
+          </p:cNvSpPr>
+          <p:nvPr>
+            <p:ph type="ftr" sz="quarter" idx="11"/>
+          </p:nvPr>
+        </p:nvSpPr>
+        <p:spPr/>
+        <p:txBody>
+          <a:bodyPr/>
+          <a:lstStyle/>
+          <a:p>
+            <a:r>
+              <a:rPr lang="en-US"/>
+              <a:t>Goran Scuric</a:t>
+            </a:r>
+            <a:endParaRPr lang="en-US" dirty="0"/>
+          </a:p>
+        </p:txBody>
+      </p:sp>
+      <p:sp>
+        <p:nvSpPr>
+          <p:cNvPr id="10" name="Slide Number Placeholder 9">
+            <a:extLst>
+              <a:ext uri="{FF2B5EF4-FFF2-40B4-BE49-F238E27FC236}">
+                <a16:creationId xmlns:a16="http://schemas.microsoft.com/office/drawing/2014/main" id="{CE08A6D1-CC52-364A-A781-830CFC8409A9}"/>
+              </a:ext>
+            </a:extLst>
+          </p:cNvPr>
+          <p:cNvSpPr>
+            <a:spLocks noGrp="1"/>
+          </p:cNvSpPr>
+          <p:nvPr>
+            <p:ph type="sldNum" sz="quarter" idx="12"/>
+          </p:nvPr>
+        </p:nvSpPr>
+        <p:spPr/>
+        <p:txBody>
+          <a:bodyPr/>
+          <a:lstStyle/>
+          <a:p>
+            <a:fld id="{2743A12C-F64B-8E4D-A41F-034344D8023F}" type="slidenum">
+              <a:rPr lang="en-US" smtClean="0"/>
+              <a:t>7</a:t>
+            </a:fld>
+            <a:endParaRPr lang="en-US" dirty="0"/>
+          </a:p>
+        </p:txBody>
+      </p:sp>
     </p:spTree>
     <p:extLst>
       <p:ext uri="{BB962C8B-B14F-4D97-AF65-F5344CB8AC3E}">
@@ -12184,6 +13220,93 @@
           </a:extLst>
         </p:spPr>
       </p:pic>
+      <p:sp>
+        <p:nvSpPr>
+          <p:cNvPr id="2" name="Date Placeholder 1">
+            <a:extLst>
+              <a:ext uri="{FF2B5EF4-FFF2-40B4-BE49-F238E27FC236}">
+                <a16:creationId xmlns:a16="http://schemas.microsoft.com/office/drawing/2014/main" id="{0A71B42B-1B91-4E4A-8A08-4DD244055CB5}"/>
+              </a:ext>
+            </a:extLst>
+          </p:cNvPr>
+          <p:cNvSpPr>
+            <a:spLocks noGrp="1"/>
+          </p:cNvSpPr>
+          <p:nvPr>
+            <p:ph type="dt" sz="half" idx="10"/>
+          </p:nvPr>
+        </p:nvSpPr>
+        <p:spPr/>
+        <p:txBody>
+          <a:bodyPr/>
+          <a:lstStyle/>
+          <a:p>
+            <a:fld id="{48946D96-2730-EB4E-9CBD-A03520CBF710}" type="datetime1">
+              <a:rPr lang="en-US" smtClean="0"/>
+              <a:t>4/12/18</a:t>
+            </a:fld>
+            <a:endParaRPr lang="en-US"/>
+          </a:p>
+        </p:txBody>
+      </p:sp>
+      <p:sp>
+        <p:nvSpPr>
+          <p:cNvPr id="4" name="Footer Placeholder 3">
+            <a:extLst>
+              <a:ext uri="{FF2B5EF4-FFF2-40B4-BE49-F238E27FC236}">
+                <a16:creationId xmlns:a16="http://schemas.microsoft.com/office/drawing/2014/main" id="{E5B4EB75-73E5-AC4A-A2A1-1AC0F64B97DD}"/>
+              </a:ext>
+            </a:extLst>
+          </p:cNvPr>
+          <p:cNvSpPr>
+            <a:spLocks noGrp="1"/>
+          </p:cNvSpPr>
+          <p:nvPr>
+            <p:ph type="ftr" sz="quarter" idx="11"/>
+          </p:nvPr>
+        </p:nvSpPr>
+        <p:spPr/>
+        <p:txBody>
+          <a:bodyPr/>
+          <a:lstStyle/>
+          <a:p>
+            <a:r>
+              <a:rPr lang="en-US"/>
+              <a:t>Goran Scuric</a:t>
+            </a:r>
+            <a:endParaRPr lang="en-US" dirty="0"/>
+          </a:p>
+        </p:txBody>
+      </p:sp>
+      <p:sp>
+        <p:nvSpPr>
+          <p:cNvPr id="5" name="Slide Number Placeholder 4">
+            <a:extLst>
+              <a:ext uri="{FF2B5EF4-FFF2-40B4-BE49-F238E27FC236}">
+                <a16:creationId xmlns:a16="http://schemas.microsoft.com/office/drawing/2014/main" id="{11F5F6E5-C0D9-CF48-BE24-2569D400F9DB}"/>
+              </a:ext>
+            </a:extLst>
+          </p:cNvPr>
+          <p:cNvSpPr>
+            <a:spLocks noGrp="1"/>
+          </p:cNvSpPr>
+          <p:nvPr>
+            <p:ph type="sldNum" sz="quarter" idx="12"/>
+          </p:nvPr>
+        </p:nvSpPr>
+        <p:spPr/>
+        <p:txBody>
+          <a:bodyPr/>
+          <a:lstStyle/>
+          <a:p>
+            <a:fld id="{2743A12C-F64B-8E4D-A41F-034344D8023F}" type="slidenum">
+              <a:rPr lang="en-US" smtClean="0"/>
+              <a:t>8</a:t>
+            </a:fld>
+            <a:endParaRPr lang="en-US" dirty="0"/>
+          </a:p>
+        </p:txBody>
+      </p:sp>
     </p:spTree>
     <p:extLst>
       <p:ext uri="{BB962C8B-B14F-4D97-AF65-F5344CB8AC3E}">
@@ -12295,6 +13418,93 @@
           </a:extLst>
         </p:spPr>
       </p:pic>
+      <p:sp>
+        <p:nvSpPr>
+          <p:cNvPr id="2" name="Date Placeholder 1">
+            <a:extLst>
+              <a:ext uri="{FF2B5EF4-FFF2-40B4-BE49-F238E27FC236}">
+                <a16:creationId xmlns:a16="http://schemas.microsoft.com/office/drawing/2014/main" id="{0A8E5DAA-488C-3040-9EA5-A7EA91AF644C}"/>
+              </a:ext>
+            </a:extLst>
+          </p:cNvPr>
+          <p:cNvSpPr>
+            <a:spLocks noGrp="1"/>
+          </p:cNvSpPr>
+          <p:nvPr>
+            <p:ph type="dt" sz="half" idx="10"/>
+          </p:nvPr>
+        </p:nvSpPr>
+        <p:spPr/>
+        <p:txBody>
+          <a:bodyPr/>
+          <a:lstStyle/>
+          <a:p>
+            <a:fld id="{3F1ED939-BD81-2A4A-9ACA-B03CC834FF31}" type="datetime1">
+              <a:rPr lang="en-US" smtClean="0"/>
+              <a:t>4/12/18</a:t>
+            </a:fld>
+            <a:endParaRPr lang="en-US"/>
+          </a:p>
+        </p:txBody>
+      </p:sp>
+      <p:sp>
+        <p:nvSpPr>
+          <p:cNvPr id="4" name="Footer Placeholder 3">
+            <a:extLst>
+              <a:ext uri="{FF2B5EF4-FFF2-40B4-BE49-F238E27FC236}">
+                <a16:creationId xmlns:a16="http://schemas.microsoft.com/office/drawing/2014/main" id="{2F6EF090-DF8D-A343-A37C-49635ECF74C5}"/>
+              </a:ext>
+            </a:extLst>
+          </p:cNvPr>
+          <p:cNvSpPr>
+            <a:spLocks noGrp="1"/>
+          </p:cNvSpPr>
+          <p:nvPr>
+            <p:ph type="ftr" sz="quarter" idx="11"/>
+          </p:nvPr>
+        </p:nvSpPr>
+        <p:spPr/>
+        <p:txBody>
+          <a:bodyPr/>
+          <a:lstStyle/>
+          <a:p>
+            <a:r>
+              <a:rPr lang="en-US"/>
+              <a:t>Goran Scuric</a:t>
+            </a:r>
+            <a:endParaRPr lang="en-US" dirty="0"/>
+          </a:p>
+        </p:txBody>
+      </p:sp>
+      <p:sp>
+        <p:nvSpPr>
+          <p:cNvPr id="5" name="Slide Number Placeholder 4">
+            <a:extLst>
+              <a:ext uri="{FF2B5EF4-FFF2-40B4-BE49-F238E27FC236}">
+                <a16:creationId xmlns:a16="http://schemas.microsoft.com/office/drawing/2014/main" id="{E3F25BA0-09A5-4944-A2CB-8C21FDF2FDFA}"/>
+              </a:ext>
+            </a:extLst>
+          </p:cNvPr>
+          <p:cNvSpPr>
+            <a:spLocks noGrp="1"/>
+          </p:cNvSpPr>
+          <p:nvPr>
+            <p:ph type="sldNum" sz="quarter" idx="12"/>
+          </p:nvPr>
+        </p:nvSpPr>
+        <p:spPr/>
+        <p:txBody>
+          <a:bodyPr/>
+          <a:lstStyle/>
+          <a:p>
+            <a:fld id="{2743A12C-F64B-8E4D-A41F-034344D8023F}" type="slidenum">
+              <a:rPr lang="en-US" smtClean="0"/>
+              <a:t>9</a:t>
+            </a:fld>
+            <a:endParaRPr lang="en-US" dirty="0"/>
+          </a:p>
+        </p:txBody>
+      </p:sp>
     </p:spTree>
     <p:extLst>
       <p:ext uri="{BB962C8B-B14F-4D97-AF65-F5344CB8AC3E}">
@@ -12567,4 +13777,299 @@
     </a:ext>
   </a:extLst>
 </a:theme>
+</file>
+
+<file path=ppt/theme/theme2.xml><?xml version="1.0" encoding="utf-8"?>
+<a:theme xmlns:a="http://schemas.openxmlformats.org/drawingml/2006/main" name="Office Theme">
+  <a:themeElements>
+    <a:clrScheme name="Office">
+      <a:dk1>
+        <a:sysClr val="windowText" lastClr="000000"/>
+      </a:dk1>
+      <a:lt1>
+        <a:sysClr val="window" lastClr="FFFFFF"/>
+      </a:lt1>
+      <a:dk2>
+        <a:srgbClr val="44546A"/>
+      </a:dk2>
+      <a:lt2>
+        <a:srgbClr val="E7E6E6"/>
+      </a:lt2>
+      <a:accent1>
+        <a:srgbClr val="4472C4"/>
+      </a:accent1>
+      <a:accent2>
+        <a:srgbClr val="ED7D31"/>
+      </a:accent2>
+      <a:accent3>
+        <a:srgbClr val="A5A5A5"/>
+      </a:accent3>
+      <a:accent4>
+        <a:srgbClr val="FFC000"/>
+      </a:accent4>
+      <a:accent5>
+        <a:srgbClr val="5B9BD5"/>
+      </a:accent5>
+      <a:accent6>
+        <a:srgbClr val="70AD47"/>
+      </a:accent6>
+      <a:hlink>
+        <a:srgbClr val="0563C1"/>
+      </a:hlink>
+      <a:folHlink>
+        <a:srgbClr val="954F72"/>
+      </a:folHlink>
+    </a:clrScheme>
+    <a:fontScheme name="Office">
+      <a:majorFont>
+        <a:latin typeface="Calibri Light" panose="020F0302020204030204"/>
+        <a:ea typeface=""/>
+        <a:cs typeface=""/>
+        <a:font script="Jpan" typeface="游ゴシック Light"/>
+        <a:font script="Hang" typeface="맑은 고딕"/>
+        <a:font script="Hans" typeface="等线 Light"/>
+        <a:font script="Hant" typeface="新細明體"/>
+        <a:font script="Arab" typeface="Times New Roman"/>
+        <a:font script="Hebr" typeface="Times New Roman"/>
+        <a:font script="Thai" typeface="Angsana New"/>
+        <a:font script="Ethi" typeface="Nyala"/>
+        <a:font script="Beng" typeface="Vrinda"/>
+        <a:font script="Gujr" typeface="Shruti"/>
+        <a:font script="Khmr" typeface="MoolBoran"/>
+        <a:font script="Knda" typeface="Tunga"/>
+        <a:font script="Guru" typeface="Raavi"/>
+        <a:font script="Cans" typeface="Euphemia"/>
+        <a:font script="Cher" typeface="Plantagenet Cherokee"/>
+        <a:font script="Yiii" typeface="Microsoft Yi Baiti"/>
+        <a:font script="Tibt" typeface="Microsoft Himalaya"/>
+        <a:font script="Thaa" typeface="MV Boli"/>
+        <a:font script="Deva" typeface="Mangal"/>
+        <a:font script="Telu" typeface="Gautami"/>
+        <a:font script="Taml" typeface="Latha"/>
+        <a:font script="Syrc" typeface="Estrangelo Edessa"/>
+        <a:font script="Orya" typeface="Kalinga"/>
+        <a:font script="Mlym" typeface="Kartika"/>
+        <a:font script="Laoo" typeface="DokChampa"/>
+        <a:font script="Sinh" typeface="Iskoola Pota"/>
+        <a:font script="Mong" typeface="Mongolian Baiti"/>
+        <a:font script="Viet" typeface="Times New Roman"/>
+        <a:font script="Uigh" typeface="Microsoft Uighur"/>
+        <a:font script="Geor" typeface="Sylfaen"/>
+        <a:font script="Armn" typeface="Arial"/>
+        <a:font script="Bugi" typeface="Leelawadee UI"/>
+        <a:font script="Bopo" typeface="Microsoft JhengHei"/>
+        <a:font script="Java" typeface="Javanese Text"/>
+        <a:font script="Lisu" typeface="Segoe UI"/>
+        <a:font script="Mymr" typeface="Myanmar Text"/>
+        <a:font script="Nkoo" typeface="Ebrima"/>
+        <a:font script="Olck" typeface="Nirmala UI"/>
+        <a:font script="Osma" typeface="Ebrima"/>
+        <a:font script="Phag" typeface="Phagspa"/>
+        <a:font script="Syrn" typeface="Estrangelo Edessa"/>
+        <a:font script="Syrj" typeface="Estrangelo Edessa"/>
+        <a:font script="Syre" typeface="Estrangelo Edessa"/>
+        <a:font script="Sora" typeface="Nirmala UI"/>
+        <a:font script="Tale" typeface="Microsoft Tai Le"/>
+        <a:font script="Talu" typeface="Microsoft New Tai Lue"/>
+        <a:font script="Tfng" typeface="Ebrima"/>
+      </a:majorFont>
+      <a:minorFont>
+        <a:latin typeface="Calibri" panose="020F0502020204030204"/>
+        <a:ea typeface=""/>
+        <a:cs typeface=""/>
+        <a:font script="Jpan" typeface="游ゴシック"/>
+        <a:font script="Hang" typeface="맑은 고딕"/>
+        <a:font script="Hans" typeface="等线"/>
+        <a:font script="Hant" typeface="新細明體"/>
+        <a:font script="Arab" typeface="Arial"/>
+        <a:font script="Hebr" typeface="Arial"/>
+        <a:font script="Thai" typeface="Cordia New"/>
+        <a:font script="Ethi" typeface="Nyala"/>
+        <a:font script="Beng" typeface="Vrinda"/>
+        <a:font script="Gujr" typeface="Shruti"/>
+        <a:font script="Khmr" typeface="DaunPenh"/>
+        <a:font script="Knda" typeface="Tunga"/>
+        <a:font script="Guru" typeface="Raavi"/>
+        <a:font script="Cans" typeface="Euphemia"/>
+        <a:font script="Cher" typeface="Plantagenet Cherokee"/>
+        <a:font script="Yiii" typeface="Microsoft Yi Baiti"/>
+        <a:font script="Tibt" typeface="Microsoft Himalaya"/>
+        <a:font script="Thaa" typeface="MV Boli"/>
+        <a:font script="Deva" typeface="Mangal"/>
+        <a:font script="Telu" typeface="Gautami"/>
+        <a:font script="Taml" typeface="Latha"/>
+        <a:font script="Syrc" typeface="Estrangelo Edessa"/>
+        <a:font script="Orya" typeface="Kalinga"/>
+        <a:font script="Mlym" typeface="Kartika"/>
+        <a:font script="Laoo" typeface="DokChampa"/>
+        <a:font script="Sinh" typeface="Iskoola Pota"/>
+        <a:font script="Mong" typeface="Mongolian Baiti"/>
+        <a:font script="Viet" typeface="Arial"/>
+        <a:font script="Uigh" typeface="Microsoft Uighur"/>
+        <a:font script="Geor" typeface="Sylfaen"/>
+        <a:font script="Armn" typeface="Arial"/>
+        <a:font script="Bugi" typeface="Leelawadee UI"/>
+        <a:font script="Bopo" typeface="Microsoft JhengHei"/>
+        <a:font script="Java" typeface="Javanese Text"/>
+        <a:font script="Lisu" typeface="Segoe UI"/>
+        <a:font script="Mymr" typeface="Myanmar Text"/>
+        <a:font script="Nkoo" typeface="Ebrima"/>
+        <a:font script="Olck" typeface="Nirmala UI"/>
+        <a:font script="Osma" typeface="Ebrima"/>
+        <a:font script="Phag" typeface="Phagspa"/>
+        <a:font script="Syrn" typeface="Estrangelo Edessa"/>
+        <a:font script="Syrj" typeface="Estrangelo Edessa"/>
+        <a:font script="Syre" typeface="Estrangelo Edessa"/>
+        <a:font script="Sora" typeface="Nirmala UI"/>
+        <a:font script="Tale" typeface="Microsoft Tai Le"/>
+        <a:font script="Talu" typeface="Microsoft New Tai Lue"/>
+        <a:font script="Tfng" typeface="Ebrima"/>
+      </a:minorFont>
+    </a:fontScheme>
+    <a:fmtScheme name="Office">
+      <a:fillStyleLst>
+        <a:solidFill>
+          <a:schemeClr val="phClr"/>
+        </a:solidFill>
+        <a:gradFill rotWithShape="1">
+          <a:gsLst>
+            <a:gs pos="0">
+              <a:schemeClr val="phClr">
+                <a:lumMod val="110000"/>
+                <a:satMod val="105000"/>
+                <a:tint val="67000"/>
+              </a:schemeClr>
+            </a:gs>
+            <a:gs pos="50000">
+              <a:schemeClr val="phClr">
+                <a:lumMod val="105000"/>
+                <a:satMod val="103000"/>
+                <a:tint val="73000"/>
+              </a:schemeClr>
+            </a:gs>
+            <a:gs pos="100000">
+              <a:schemeClr val="phClr">
+                <a:lumMod val="105000"/>
+                <a:satMod val="109000"/>
+                <a:tint val="81000"/>
+              </a:schemeClr>
+            </a:gs>
+          </a:gsLst>
+          <a:lin ang="5400000" scaled="0"/>
+        </a:gradFill>
+        <a:gradFill rotWithShape="1">
+          <a:gsLst>
+            <a:gs pos="0">
+              <a:schemeClr val="phClr">
+                <a:satMod val="103000"/>
+                <a:lumMod val="102000"/>
+                <a:tint val="94000"/>
+              </a:schemeClr>
+            </a:gs>
+            <a:gs pos="50000">
+              <a:schemeClr val="phClr">
+                <a:satMod val="110000"/>
+                <a:lumMod val="100000"/>
+                <a:shade val="100000"/>
+              </a:schemeClr>
+            </a:gs>
+            <a:gs pos="100000">
+              <a:schemeClr val="phClr">
+                <a:lumMod val="99000"/>
+                <a:satMod val="120000"/>
+                <a:shade val="78000"/>
+              </a:schemeClr>
+            </a:gs>
+          </a:gsLst>
+          <a:lin ang="5400000" scaled="0"/>
+        </a:gradFill>
+      </a:fillStyleLst>
+      <a:lnStyleLst>
+        <a:ln w="6350" cap="flat" cmpd="sng" algn="ctr">
+          <a:solidFill>
+            <a:schemeClr val="phClr"/>
+          </a:solidFill>
+          <a:prstDash val="solid"/>
+          <a:miter lim="800000"/>
+        </a:ln>
+        <a:ln w="12700" cap="flat" cmpd="sng" algn="ctr">
+          <a:solidFill>
+            <a:schemeClr val="phClr"/>
+          </a:solidFill>
+          <a:prstDash val="solid"/>
+          <a:miter lim="800000"/>
+        </a:ln>
+        <a:ln w="19050" cap="flat" cmpd="sng" algn="ctr">
+          <a:solidFill>
+            <a:schemeClr val="phClr"/>
+          </a:solidFill>
+          <a:prstDash val="solid"/>
+          <a:miter lim="800000"/>
+        </a:ln>
+      </a:lnStyleLst>
+      <a:effectStyleLst>
+        <a:effectStyle>
+          <a:effectLst/>
+        </a:effectStyle>
+        <a:effectStyle>
+          <a:effectLst/>
+        </a:effectStyle>
+        <a:effectStyle>
+          <a:effectLst>
+            <a:outerShdw blurRad="57150" dist="19050" dir="5400000" algn="ctr" rotWithShape="0">
+              <a:srgbClr val="000000">
+                <a:alpha val="63000"/>
+              </a:srgbClr>
+            </a:outerShdw>
+          </a:effectLst>
+        </a:effectStyle>
+      </a:effectStyleLst>
+      <a:bgFillStyleLst>
+        <a:solidFill>
+          <a:schemeClr val="phClr"/>
+        </a:solidFill>
+        <a:solidFill>
+          <a:schemeClr val="phClr">
+            <a:tint val="95000"/>
+            <a:satMod val="170000"/>
+          </a:schemeClr>
+        </a:solidFill>
+        <a:gradFill rotWithShape="1">
+          <a:gsLst>
+            <a:gs pos="0">
+              <a:schemeClr val="phClr">
+                <a:tint val="93000"/>
+                <a:satMod val="150000"/>
+                <a:shade val="98000"/>
+                <a:lumMod val="102000"/>
+              </a:schemeClr>
+            </a:gs>
+            <a:gs pos="50000">
+              <a:schemeClr val="phClr">
+                <a:tint val="98000"/>
+                <a:satMod val="130000"/>
+                <a:shade val="90000"/>
+                <a:lumMod val="103000"/>
+              </a:schemeClr>
+            </a:gs>
+            <a:gs pos="100000">
+              <a:schemeClr val="phClr">
+                <a:shade val="63000"/>
+                <a:satMod val="120000"/>
+              </a:schemeClr>
+            </a:gs>
+          </a:gsLst>
+          <a:lin ang="5400000" scaled="0"/>
+        </a:gradFill>
+      </a:bgFillStyleLst>
+    </a:fmtScheme>
+  </a:themeElements>
+  <a:objectDefaults/>
+  <a:extraClrSchemeLst/>
+  <a:extLst>
+    <a:ext uri="{05A4C25C-085E-4340-85A3-A5531E510DB2}">
+      <thm15:themeFamily xmlns:thm15="http://schemas.microsoft.com/office/thememl/2012/main" name="Office Theme" id="{62F939B6-93AF-4DB8-9C6B-D6C7DFDC589F}" vid="{4A3C46E8-61CC-4603-A589-7422A47A8E4A}"/>
+    </a:ext>
+  </a:extLst>
+</a:theme>
 </file>